--- a/Präsi.pptx
+++ b/Präsi.pptx
@@ -4,6 +4,9 @@
   <p:sldMasterIdLst>
     <p:sldMasterId id="2147483648" r:id="rId1"/>
   </p:sldMasterIdLst>
+  <p:notesMasterIdLst>
+    <p:notesMasterId r:id="rId18"/>
+  </p:notesMasterIdLst>
   <p:sldIdLst>
     <p:sldId id="256" r:id="rId2"/>
     <p:sldId id="257" r:id="rId3"/>
@@ -13,6 +16,14 @@
     <p:sldId id="261" r:id="rId7"/>
     <p:sldId id="262" r:id="rId8"/>
     <p:sldId id="263" r:id="rId9"/>
+    <p:sldId id="264" r:id="rId10"/>
+    <p:sldId id="265" r:id="rId11"/>
+    <p:sldId id="266" r:id="rId12"/>
+    <p:sldId id="267" r:id="rId13"/>
+    <p:sldId id="268" r:id="rId14"/>
+    <p:sldId id="269" r:id="rId15"/>
+    <p:sldId id="270" r:id="rId16"/>
+    <p:sldId id="271" r:id="rId17"/>
   </p:sldIdLst>
   <p:sldSz cx="12192000" cy="6858000"/>
   <p:notesSz cx="6858000" cy="9144000"/>
@@ -119,6 +130,632 @@
 </p:presentation>
 </file>
 
+<file path=ppt/notesMasters/notesMaster1.xml><?xml version="1.0" encoding="utf-8"?>
+<p:notesMaster xmlns:a="http://schemas.openxmlformats.org/drawingml/2006/main" xmlns:r="http://schemas.openxmlformats.org/officeDocument/2006/relationships" xmlns:p="http://schemas.openxmlformats.org/presentationml/2006/main">
+  <p:cSld>
+    <p:bg>
+      <p:bgRef idx="1001">
+        <a:schemeClr val="bg1"/>
+      </p:bgRef>
+    </p:bg>
+    <p:spTree>
+      <p:nvGrpSpPr>
+        <p:cNvPr id="1" name=""/>
+        <p:cNvGrpSpPr/>
+        <p:nvPr/>
+      </p:nvGrpSpPr>
+      <p:grpSpPr>
+        <a:xfrm>
+          <a:off x="0" y="0"/>
+          <a:ext cx="0" cy="0"/>
+          <a:chOff x="0" y="0"/>
+          <a:chExt cx="0" cy="0"/>
+        </a:xfrm>
+      </p:grpSpPr>
+      <p:sp>
+        <p:nvSpPr>
+          <p:cNvPr id="2" name="Header Placeholder 1"/>
+          <p:cNvSpPr>
+            <a:spLocks noGrp="1"/>
+          </p:cNvSpPr>
+          <p:nvPr>
+            <p:ph type="hdr" sz="quarter"/>
+          </p:nvPr>
+        </p:nvSpPr>
+        <p:spPr>
+          <a:xfrm>
+            <a:off x="0" y="0"/>
+            <a:ext cx="2971800" cy="458788"/>
+          </a:xfrm>
+          <a:prstGeom prst="rect">
+            <a:avLst/>
+          </a:prstGeom>
+        </p:spPr>
+        <p:txBody>
+          <a:bodyPr vert="horz" lIns="91440" tIns="45720" rIns="91440" bIns="45720" rtlCol="0"/>
+          <a:lstStyle>
+            <a:lvl1pPr algn="l">
+              <a:defRPr sz="1200"/>
+            </a:lvl1pPr>
+          </a:lstStyle>
+          <a:p>
+            <a:endParaRPr lang="de-DE"/>
+          </a:p>
+        </p:txBody>
+      </p:sp>
+      <p:sp>
+        <p:nvSpPr>
+          <p:cNvPr id="3" name="Date Placeholder 2"/>
+          <p:cNvSpPr>
+            <a:spLocks noGrp="1"/>
+          </p:cNvSpPr>
+          <p:nvPr>
+            <p:ph type="dt" idx="1"/>
+          </p:nvPr>
+        </p:nvSpPr>
+        <p:spPr>
+          <a:xfrm>
+            <a:off x="3884613" y="0"/>
+            <a:ext cx="2971800" cy="458788"/>
+          </a:xfrm>
+          <a:prstGeom prst="rect">
+            <a:avLst/>
+          </a:prstGeom>
+        </p:spPr>
+        <p:txBody>
+          <a:bodyPr vert="horz" lIns="91440" tIns="45720" rIns="91440" bIns="45720" rtlCol="0"/>
+          <a:lstStyle>
+            <a:lvl1pPr algn="r">
+              <a:defRPr sz="1200"/>
+            </a:lvl1pPr>
+          </a:lstStyle>
+          <a:p>
+            <a:fld id="{C0A33A4D-E355-474D-AA53-28E49D5C7F05}" type="datetimeFigureOut">
+              <a:rPr lang="de-DE" smtClean="0"/>
+              <a:t>08.07.2014</a:t>
+            </a:fld>
+            <a:endParaRPr lang="de-DE"/>
+          </a:p>
+        </p:txBody>
+      </p:sp>
+      <p:sp>
+        <p:nvSpPr>
+          <p:cNvPr id="4" name="Slide Image Placeholder 3"/>
+          <p:cNvSpPr>
+            <a:spLocks noGrp="1" noRot="1" noChangeAspect="1"/>
+          </p:cNvSpPr>
+          <p:nvPr>
+            <p:ph type="sldImg" idx="2"/>
+          </p:nvPr>
+        </p:nvSpPr>
+        <p:spPr>
+          <a:xfrm>
+            <a:off x="685800" y="1143000"/>
+            <a:ext cx="5486400" cy="3086100"/>
+          </a:xfrm>
+          <a:prstGeom prst="rect">
+            <a:avLst/>
+          </a:prstGeom>
+          <a:noFill/>
+          <a:ln w="12700">
+            <a:solidFill>
+              <a:prstClr val="black"/>
+            </a:solidFill>
+          </a:ln>
+        </p:spPr>
+        <p:txBody>
+          <a:bodyPr vert="horz" lIns="91440" tIns="45720" rIns="91440" bIns="45720" rtlCol="0" anchor="ctr"/>
+          <a:lstStyle/>
+          <a:p>
+            <a:endParaRPr lang="de-DE"/>
+          </a:p>
+        </p:txBody>
+      </p:sp>
+      <p:sp>
+        <p:nvSpPr>
+          <p:cNvPr id="5" name="Notes Placeholder 4"/>
+          <p:cNvSpPr>
+            <a:spLocks noGrp="1"/>
+          </p:cNvSpPr>
+          <p:nvPr>
+            <p:ph type="body" sz="quarter" idx="3"/>
+          </p:nvPr>
+        </p:nvSpPr>
+        <p:spPr>
+          <a:xfrm>
+            <a:off x="685800" y="4400550"/>
+            <a:ext cx="5486400" cy="3600450"/>
+          </a:xfrm>
+          <a:prstGeom prst="rect">
+            <a:avLst/>
+          </a:prstGeom>
+        </p:spPr>
+        <p:txBody>
+          <a:bodyPr vert="horz" lIns="91440" tIns="45720" rIns="91440" bIns="45720" rtlCol="0"/>
+          <a:lstStyle/>
+          <a:p>
+            <a:pPr lvl="0"/>
+            <a:r>
+              <a:rPr lang="en-US" smtClean="0"/>
+              <a:t>Click to edit Master text styles</a:t>
+            </a:r>
+          </a:p>
+          <a:p>
+            <a:pPr lvl="1"/>
+            <a:r>
+              <a:rPr lang="en-US" smtClean="0"/>
+              <a:t>Second level</a:t>
+            </a:r>
+          </a:p>
+          <a:p>
+            <a:pPr lvl="2"/>
+            <a:r>
+              <a:rPr lang="en-US" smtClean="0"/>
+              <a:t>Third level</a:t>
+            </a:r>
+          </a:p>
+          <a:p>
+            <a:pPr lvl="3"/>
+            <a:r>
+              <a:rPr lang="en-US" smtClean="0"/>
+              <a:t>Fourth level</a:t>
+            </a:r>
+          </a:p>
+          <a:p>
+            <a:pPr lvl="4"/>
+            <a:r>
+              <a:rPr lang="en-US" smtClean="0"/>
+              <a:t>Fifth level</a:t>
+            </a:r>
+            <a:endParaRPr lang="de-DE"/>
+          </a:p>
+        </p:txBody>
+      </p:sp>
+      <p:sp>
+        <p:nvSpPr>
+          <p:cNvPr id="6" name="Footer Placeholder 5"/>
+          <p:cNvSpPr>
+            <a:spLocks noGrp="1"/>
+          </p:cNvSpPr>
+          <p:nvPr>
+            <p:ph type="ftr" sz="quarter" idx="4"/>
+          </p:nvPr>
+        </p:nvSpPr>
+        <p:spPr>
+          <a:xfrm>
+            <a:off x="0" y="8685213"/>
+            <a:ext cx="2971800" cy="458787"/>
+          </a:xfrm>
+          <a:prstGeom prst="rect">
+            <a:avLst/>
+          </a:prstGeom>
+        </p:spPr>
+        <p:txBody>
+          <a:bodyPr vert="horz" lIns="91440" tIns="45720" rIns="91440" bIns="45720" rtlCol="0" anchor="b"/>
+          <a:lstStyle>
+            <a:lvl1pPr algn="l">
+              <a:defRPr sz="1200"/>
+            </a:lvl1pPr>
+          </a:lstStyle>
+          <a:p>
+            <a:endParaRPr lang="de-DE"/>
+          </a:p>
+        </p:txBody>
+      </p:sp>
+      <p:sp>
+        <p:nvSpPr>
+          <p:cNvPr id="7" name="Slide Number Placeholder 6"/>
+          <p:cNvSpPr>
+            <a:spLocks noGrp="1"/>
+          </p:cNvSpPr>
+          <p:nvPr>
+            <p:ph type="sldNum" sz="quarter" idx="5"/>
+          </p:nvPr>
+        </p:nvSpPr>
+        <p:spPr>
+          <a:xfrm>
+            <a:off x="3884613" y="8685213"/>
+            <a:ext cx="2971800" cy="458787"/>
+          </a:xfrm>
+          <a:prstGeom prst="rect">
+            <a:avLst/>
+          </a:prstGeom>
+        </p:spPr>
+        <p:txBody>
+          <a:bodyPr vert="horz" lIns="91440" tIns="45720" rIns="91440" bIns="45720" rtlCol="0" anchor="b"/>
+          <a:lstStyle>
+            <a:lvl1pPr algn="r">
+              <a:defRPr sz="1200"/>
+            </a:lvl1pPr>
+          </a:lstStyle>
+          <a:p>
+            <a:fld id="{79EE32C1-4866-4B6B-AF9D-07A069F4E5BF}" type="slidenum">
+              <a:rPr lang="de-DE" smtClean="0"/>
+              <a:t>‹#›</a:t>
+            </a:fld>
+            <a:endParaRPr lang="de-DE"/>
+          </a:p>
+        </p:txBody>
+      </p:sp>
+    </p:spTree>
+    <p:extLst>
+      <p:ext uri="{BB962C8B-B14F-4D97-AF65-F5344CB8AC3E}">
+        <p14:creationId xmlns:p14="http://schemas.microsoft.com/office/powerpoint/2010/main" val="3500254668"/>
+      </p:ext>
+    </p:extLst>
+  </p:cSld>
+  <p:clrMap bg1="lt1" tx1="dk1" bg2="lt2" tx2="dk2" accent1="accent1" accent2="accent2" accent3="accent3" accent4="accent4" accent5="accent5" accent6="accent6" hlink="hlink" folHlink="folHlink"/>
+  <p:notesStyle>
+    <a:lvl1pPr marL="0" algn="l" defTabSz="914400" rtl="0" eaLnBrk="1" latinLnBrk="0" hangingPunct="1">
+      <a:defRPr sz="1200" kern="1200">
+        <a:solidFill>
+          <a:schemeClr val="tx1"/>
+        </a:solidFill>
+        <a:latin typeface="+mn-lt"/>
+        <a:ea typeface="+mn-ea"/>
+        <a:cs typeface="+mn-cs"/>
+      </a:defRPr>
+    </a:lvl1pPr>
+    <a:lvl2pPr marL="457200" algn="l" defTabSz="914400" rtl="0" eaLnBrk="1" latinLnBrk="0" hangingPunct="1">
+      <a:defRPr sz="1200" kern="1200">
+        <a:solidFill>
+          <a:schemeClr val="tx1"/>
+        </a:solidFill>
+        <a:latin typeface="+mn-lt"/>
+        <a:ea typeface="+mn-ea"/>
+        <a:cs typeface="+mn-cs"/>
+      </a:defRPr>
+    </a:lvl2pPr>
+    <a:lvl3pPr marL="914400" algn="l" defTabSz="914400" rtl="0" eaLnBrk="1" latinLnBrk="0" hangingPunct="1">
+      <a:defRPr sz="1200" kern="1200">
+        <a:solidFill>
+          <a:schemeClr val="tx1"/>
+        </a:solidFill>
+        <a:latin typeface="+mn-lt"/>
+        <a:ea typeface="+mn-ea"/>
+        <a:cs typeface="+mn-cs"/>
+      </a:defRPr>
+    </a:lvl3pPr>
+    <a:lvl4pPr marL="1371600" algn="l" defTabSz="914400" rtl="0" eaLnBrk="1" latinLnBrk="0" hangingPunct="1">
+      <a:defRPr sz="1200" kern="1200">
+        <a:solidFill>
+          <a:schemeClr val="tx1"/>
+        </a:solidFill>
+        <a:latin typeface="+mn-lt"/>
+        <a:ea typeface="+mn-ea"/>
+        <a:cs typeface="+mn-cs"/>
+      </a:defRPr>
+    </a:lvl4pPr>
+    <a:lvl5pPr marL="1828800" algn="l" defTabSz="914400" rtl="0" eaLnBrk="1" latinLnBrk="0" hangingPunct="1">
+      <a:defRPr sz="1200" kern="1200">
+        <a:solidFill>
+          <a:schemeClr val="tx1"/>
+        </a:solidFill>
+        <a:latin typeface="+mn-lt"/>
+        <a:ea typeface="+mn-ea"/>
+        <a:cs typeface="+mn-cs"/>
+      </a:defRPr>
+    </a:lvl5pPr>
+    <a:lvl6pPr marL="2286000" algn="l" defTabSz="914400" rtl="0" eaLnBrk="1" latinLnBrk="0" hangingPunct="1">
+      <a:defRPr sz="1200" kern="1200">
+        <a:solidFill>
+          <a:schemeClr val="tx1"/>
+        </a:solidFill>
+        <a:latin typeface="+mn-lt"/>
+        <a:ea typeface="+mn-ea"/>
+        <a:cs typeface="+mn-cs"/>
+      </a:defRPr>
+    </a:lvl6pPr>
+    <a:lvl7pPr marL="2743200" algn="l" defTabSz="914400" rtl="0" eaLnBrk="1" latinLnBrk="0" hangingPunct="1">
+      <a:defRPr sz="1200" kern="1200">
+        <a:solidFill>
+          <a:schemeClr val="tx1"/>
+        </a:solidFill>
+        <a:latin typeface="+mn-lt"/>
+        <a:ea typeface="+mn-ea"/>
+        <a:cs typeface="+mn-cs"/>
+      </a:defRPr>
+    </a:lvl7pPr>
+    <a:lvl8pPr marL="3200400" algn="l" defTabSz="914400" rtl="0" eaLnBrk="1" latinLnBrk="0" hangingPunct="1">
+      <a:defRPr sz="1200" kern="1200">
+        <a:solidFill>
+          <a:schemeClr val="tx1"/>
+        </a:solidFill>
+        <a:latin typeface="+mn-lt"/>
+        <a:ea typeface="+mn-ea"/>
+        <a:cs typeface="+mn-cs"/>
+      </a:defRPr>
+    </a:lvl8pPr>
+    <a:lvl9pPr marL="3657600" algn="l" defTabSz="914400" rtl="0" eaLnBrk="1" latinLnBrk="0" hangingPunct="1">
+      <a:defRPr sz="1200" kern="1200">
+        <a:solidFill>
+          <a:schemeClr val="tx1"/>
+        </a:solidFill>
+        <a:latin typeface="+mn-lt"/>
+        <a:ea typeface="+mn-ea"/>
+        <a:cs typeface="+mn-cs"/>
+      </a:defRPr>
+    </a:lvl9pPr>
+  </p:notesStyle>
+</p:notesMaster>
+</file>
+
+<file path=ppt/notesSlides/notesSlide1.xml><?xml version="1.0" encoding="utf-8"?>
+<p:notes xmlns:a="http://schemas.openxmlformats.org/drawingml/2006/main" xmlns:r="http://schemas.openxmlformats.org/officeDocument/2006/relationships" xmlns:p="http://schemas.openxmlformats.org/presentationml/2006/main">
+  <p:cSld>
+    <p:spTree>
+      <p:nvGrpSpPr>
+        <p:cNvPr id="1" name=""/>
+        <p:cNvGrpSpPr/>
+        <p:nvPr/>
+      </p:nvGrpSpPr>
+      <p:grpSpPr>
+        <a:xfrm>
+          <a:off x="0" y="0"/>
+          <a:ext cx="0" cy="0"/>
+          <a:chOff x="0" y="0"/>
+          <a:chExt cx="0" cy="0"/>
+        </a:xfrm>
+      </p:grpSpPr>
+      <p:sp>
+        <p:nvSpPr>
+          <p:cNvPr id="2" name="Slide Image Placeholder 1"/>
+          <p:cNvSpPr>
+            <a:spLocks noGrp="1" noRot="1" noChangeAspect="1"/>
+          </p:cNvSpPr>
+          <p:nvPr>
+            <p:ph type="sldImg"/>
+          </p:nvPr>
+        </p:nvSpPr>
+        <p:spPr/>
+      </p:sp>
+      <p:sp>
+        <p:nvSpPr>
+          <p:cNvPr id="3" name="Notes Placeholder 2"/>
+          <p:cNvSpPr>
+            <a:spLocks noGrp="1"/>
+          </p:cNvSpPr>
+          <p:nvPr>
+            <p:ph type="body" idx="1"/>
+          </p:nvPr>
+        </p:nvSpPr>
+        <p:spPr/>
+        <p:txBody>
+          <a:bodyPr/>
+          <a:lstStyle/>
+          <a:p>
+            <a:r>
+              <a:rPr lang="de-DE" dirty="0" smtClean="0"/>
+              <a:t>Around</a:t>
+            </a:r>
+            <a:r>
+              <a:rPr lang="de-DE" baseline="0" dirty="0" smtClean="0"/>
+              <a:t> 60% mapped </a:t>
+            </a:r>
+            <a:endParaRPr lang="de-DE" dirty="0"/>
+          </a:p>
+        </p:txBody>
+      </p:sp>
+      <p:sp>
+        <p:nvSpPr>
+          <p:cNvPr id="4" name="Slide Number Placeholder 3"/>
+          <p:cNvSpPr>
+            <a:spLocks noGrp="1"/>
+          </p:cNvSpPr>
+          <p:nvPr>
+            <p:ph type="sldNum" sz="quarter" idx="10"/>
+          </p:nvPr>
+        </p:nvSpPr>
+        <p:spPr/>
+        <p:txBody>
+          <a:bodyPr/>
+          <a:lstStyle/>
+          <a:p>
+            <a:fld id="{79EE32C1-4866-4B6B-AF9D-07A069F4E5BF}" type="slidenum">
+              <a:rPr lang="de-DE" smtClean="0"/>
+              <a:t>9</a:t>
+            </a:fld>
+            <a:endParaRPr lang="de-DE"/>
+          </a:p>
+        </p:txBody>
+      </p:sp>
+    </p:spTree>
+    <p:extLst>
+      <p:ext uri="{BB962C8B-B14F-4D97-AF65-F5344CB8AC3E}">
+        <p14:creationId xmlns:p14="http://schemas.microsoft.com/office/powerpoint/2010/main" val="483597654"/>
+      </p:ext>
+    </p:extLst>
+  </p:cSld>
+  <p:clrMapOvr>
+    <a:masterClrMapping/>
+  </p:clrMapOvr>
+</p:notes>
+</file>
+
+<file path=ppt/notesSlides/notesSlide2.xml><?xml version="1.0" encoding="utf-8"?>
+<p:notes xmlns:a="http://schemas.openxmlformats.org/drawingml/2006/main" xmlns:r="http://schemas.openxmlformats.org/officeDocument/2006/relationships" xmlns:p="http://schemas.openxmlformats.org/presentationml/2006/main">
+  <p:cSld>
+    <p:spTree>
+      <p:nvGrpSpPr>
+        <p:cNvPr id="1" name=""/>
+        <p:cNvGrpSpPr/>
+        <p:nvPr/>
+      </p:nvGrpSpPr>
+      <p:grpSpPr>
+        <a:xfrm>
+          <a:off x="0" y="0"/>
+          <a:ext cx="0" cy="0"/>
+          <a:chOff x="0" y="0"/>
+          <a:chExt cx="0" cy="0"/>
+        </a:xfrm>
+      </p:grpSpPr>
+      <p:sp>
+        <p:nvSpPr>
+          <p:cNvPr id="2" name="Slide Image Placeholder 1"/>
+          <p:cNvSpPr>
+            <a:spLocks noGrp="1" noRot="1" noChangeAspect="1"/>
+          </p:cNvSpPr>
+          <p:nvPr>
+            <p:ph type="sldImg"/>
+          </p:nvPr>
+        </p:nvSpPr>
+        <p:spPr/>
+      </p:sp>
+      <p:sp>
+        <p:nvSpPr>
+          <p:cNvPr id="3" name="Notes Placeholder 2"/>
+          <p:cNvSpPr>
+            <a:spLocks noGrp="1"/>
+          </p:cNvSpPr>
+          <p:nvPr>
+            <p:ph type="body" idx="1"/>
+          </p:nvPr>
+        </p:nvSpPr>
+        <p:spPr/>
+        <p:txBody>
+          <a:bodyPr/>
+          <a:lstStyle/>
+          <a:p>
+            <a:r>
+              <a:rPr lang="de-DE" dirty="0" smtClean="0"/>
+              <a:t>Around 250</a:t>
+            </a:r>
+            <a:r>
+              <a:rPr lang="de-DE" baseline="0" dirty="0" smtClean="0"/>
+              <a:t> contigs for Velvet</a:t>
+            </a:r>
+            <a:endParaRPr lang="de-DE" dirty="0"/>
+          </a:p>
+        </p:txBody>
+      </p:sp>
+      <p:sp>
+        <p:nvSpPr>
+          <p:cNvPr id="4" name="Slide Number Placeholder 3"/>
+          <p:cNvSpPr>
+            <a:spLocks noGrp="1"/>
+          </p:cNvSpPr>
+          <p:nvPr>
+            <p:ph type="sldNum" sz="quarter" idx="10"/>
+          </p:nvPr>
+        </p:nvSpPr>
+        <p:spPr/>
+        <p:txBody>
+          <a:bodyPr/>
+          <a:lstStyle/>
+          <a:p>
+            <a:fld id="{79EE32C1-4866-4B6B-AF9D-07A069F4E5BF}" type="slidenum">
+              <a:rPr lang="de-DE" smtClean="0"/>
+              <a:t>11</a:t>
+            </a:fld>
+            <a:endParaRPr lang="de-DE"/>
+          </a:p>
+        </p:txBody>
+      </p:sp>
+    </p:spTree>
+    <p:extLst>
+      <p:ext uri="{BB962C8B-B14F-4D97-AF65-F5344CB8AC3E}">
+        <p14:creationId xmlns:p14="http://schemas.microsoft.com/office/powerpoint/2010/main" val="129381180"/>
+      </p:ext>
+    </p:extLst>
+  </p:cSld>
+  <p:clrMapOvr>
+    <a:masterClrMapping/>
+  </p:clrMapOvr>
+</p:notes>
+</file>
+
+<file path=ppt/notesSlides/notesSlide3.xml><?xml version="1.0" encoding="utf-8"?>
+<p:notes xmlns:a="http://schemas.openxmlformats.org/drawingml/2006/main" xmlns:r="http://schemas.openxmlformats.org/officeDocument/2006/relationships" xmlns:p="http://schemas.openxmlformats.org/presentationml/2006/main">
+  <p:cSld>
+    <p:spTree>
+      <p:nvGrpSpPr>
+        <p:cNvPr id="1" name=""/>
+        <p:cNvGrpSpPr/>
+        <p:nvPr/>
+      </p:nvGrpSpPr>
+      <p:grpSpPr>
+        <a:xfrm>
+          <a:off x="0" y="0"/>
+          <a:ext cx="0" cy="0"/>
+          <a:chOff x="0" y="0"/>
+          <a:chExt cx="0" cy="0"/>
+        </a:xfrm>
+      </p:grpSpPr>
+      <p:sp>
+        <p:nvSpPr>
+          <p:cNvPr id="2" name="Slide Image Placeholder 1"/>
+          <p:cNvSpPr>
+            <a:spLocks noGrp="1" noRot="1" noChangeAspect="1"/>
+          </p:cNvSpPr>
+          <p:nvPr>
+            <p:ph type="sldImg"/>
+          </p:nvPr>
+        </p:nvSpPr>
+        <p:spPr/>
+      </p:sp>
+      <p:sp>
+        <p:nvSpPr>
+          <p:cNvPr id="3" name="Notes Placeholder 2"/>
+          <p:cNvSpPr>
+            <a:spLocks noGrp="1"/>
+          </p:cNvSpPr>
+          <p:nvPr>
+            <p:ph type="body" idx="1"/>
+          </p:nvPr>
+        </p:nvSpPr>
+        <p:spPr/>
+        <p:txBody>
+          <a:bodyPr/>
+          <a:lstStyle/>
+          <a:p>
+            <a:r>
+              <a:rPr lang="de-DE" dirty="0" smtClean="0"/>
+              <a:t>In</a:t>
+            </a:r>
+            <a:r>
+              <a:rPr lang="de-DE" baseline="0" dirty="0" smtClean="0"/>
+              <a:t> paper: No evidence of multiple locus amplification</a:t>
+            </a:r>
+            <a:endParaRPr lang="de-DE" dirty="0"/>
+          </a:p>
+        </p:txBody>
+      </p:sp>
+      <p:sp>
+        <p:nvSpPr>
+          <p:cNvPr id="4" name="Slide Number Placeholder 3"/>
+          <p:cNvSpPr>
+            <a:spLocks noGrp="1"/>
+          </p:cNvSpPr>
+          <p:nvPr>
+            <p:ph type="sldNum" sz="quarter" idx="10"/>
+          </p:nvPr>
+        </p:nvSpPr>
+        <p:spPr/>
+        <p:txBody>
+          <a:bodyPr/>
+          <a:lstStyle/>
+          <a:p>
+            <a:fld id="{79EE32C1-4866-4B6B-AF9D-07A069F4E5BF}" type="slidenum">
+              <a:rPr lang="de-DE" smtClean="0"/>
+              <a:t>14</a:t>
+            </a:fld>
+            <a:endParaRPr lang="de-DE"/>
+          </a:p>
+        </p:txBody>
+      </p:sp>
+    </p:spTree>
+    <p:extLst>
+      <p:ext uri="{BB962C8B-B14F-4D97-AF65-F5344CB8AC3E}">
+        <p14:creationId xmlns:p14="http://schemas.microsoft.com/office/powerpoint/2010/main" val="1711960467"/>
+      </p:ext>
+    </p:extLst>
+  </p:cSld>
+  <p:clrMapOvr>
+    <a:masterClrMapping/>
+  </p:clrMapOvr>
+</p:notes>
+</file>
+
 <file path=ppt/slideLayouts/slideLayout1.xml><?xml version="1.0" encoding="utf-8"?>
 <p:sldLayout xmlns:a="http://schemas.openxmlformats.org/drawingml/2006/main" xmlns:r="http://schemas.openxmlformats.org/officeDocument/2006/relationships" xmlns:p="http://schemas.openxmlformats.org/presentationml/2006/main" type="title" preserve="1">
   <p:cSld name="Title Slide">
@@ -250,7 +887,7 @@
           <a:p>
             <a:fld id="{302AB807-5552-4B99-8881-D4A80D8FFE91}" type="datetimeFigureOut">
               <a:rPr lang="de-DE" smtClean="0"/>
-              <a:t>07.07.2014</a:t>
+              <a:t>08.07.2014</a:t>
             </a:fld>
             <a:endParaRPr lang="de-DE"/>
           </a:p>
@@ -420,7 +1057,7 @@
           <a:p>
             <a:fld id="{302AB807-5552-4B99-8881-D4A80D8FFE91}" type="datetimeFigureOut">
               <a:rPr lang="de-DE" smtClean="0"/>
-              <a:t>07.07.2014</a:t>
+              <a:t>08.07.2014</a:t>
             </a:fld>
             <a:endParaRPr lang="de-DE"/>
           </a:p>
@@ -600,7 +1237,7 @@
           <a:p>
             <a:fld id="{302AB807-5552-4B99-8881-D4A80D8FFE91}" type="datetimeFigureOut">
               <a:rPr lang="de-DE" smtClean="0"/>
-              <a:t>07.07.2014</a:t>
+              <a:t>08.07.2014</a:t>
             </a:fld>
             <a:endParaRPr lang="de-DE"/>
           </a:p>
@@ -770,7 +1407,7 @@
           <a:p>
             <a:fld id="{302AB807-5552-4B99-8881-D4A80D8FFE91}" type="datetimeFigureOut">
               <a:rPr lang="de-DE" smtClean="0"/>
-              <a:t>07.07.2014</a:t>
+              <a:t>08.07.2014</a:t>
             </a:fld>
             <a:endParaRPr lang="de-DE"/>
           </a:p>
@@ -1016,7 +1653,7 @@
           <a:p>
             <a:fld id="{302AB807-5552-4B99-8881-D4A80D8FFE91}" type="datetimeFigureOut">
               <a:rPr lang="de-DE" smtClean="0"/>
-              <a:t>07.07.2014</a:t>
+              <a:t>08.07.2014</a:t>
             </a:fld>
             <a:endParaRPr lang="de-DE"/>
           </a:p>
@@ -1248,7 +1885,7 @@
           <a:p>
             <a:fld id="{302AB807-5552-4B99-8881-D4A80D8FFE91}" type="datetimeFigureOut">
               <a:rPr lang="de-DE" smtClean="0"/>
-              <a:t>07.07.2014</a:t>
+              <a:t>08.07.2014</a:t>
             </a:fld>
             <a:endParaRPr lang="de-DE"/>
           </a:p>
@@ -1615,7 +2252,7 @@
           <a:p>
             <a:fld id="{302AB807-5552-4B99-8881-D4A80D8FFE91}" type="datetimeFigureOut">
               <a:rPr lang="de-DE" smtClean="0"/>
-              <a:t>07.07.2014</a:t>
+              <a:t>08.07.2014</a:t>
             </a:fld>
             <a:endParaRPr lang="de-DE"/>
           </a:p>
@@ -1733,7 +2370,7 @@
           <a:p>
             <a:fld id="{302AB807-5552-4B99-8881-D4A80D8FFE91}" type="datetimeFigureOut">
               <a:rPr lang="de-DE" smtClean="0"/>
-              <a:t>07.07.2014</a:t>
+              <a:t>08.07.2014</a:t>
             </a:fld>
             <a:endParaRPr lang="de-DE"/>
           </a:p>
@@ -1828,7 +2465,7 @@
           <a:p>
             <a:fld id="{302AB807-5552-4B99-8881-D4A80D8FFE91}" type="datetimeFigureOut">
               <a:rPr lang="de-DE" smtClean="0"/>
-              <a:t>07.07.2014</a:t>
+              <a:t>08.07.2014</a:t>
             </a:fld>
             <a:endParaRPr lang="de-DE"/>
           </a:p>
@@ -2105,7 +2742,7 @@
           <a:p>
             <a:fld id="{302AB807-5552-4B99-8881-D4A80D8FFE91}" type="datetimeFigureOut">
               <a:rPr lang="de-DE" smtClean="0"/>
-              <a:t>07.07.2014</a:t>
+              <a:t>08.07.2014</a:t>
             </a:fld>
             <a:endParaRPr lang="de-DE"/>
           </a:p>
@@ -2358,7 +2995,7 @@
           <a:p>
             <a:fld id="{302AB807-5552-4B99-8881-D4A80D8FFE91}" type="datetimeFigureOut">
               <a:rPr lang="de-DE" smtClean="0"/>
-              <a:t>07.07.2014</a:t>
+              <a:t>08.07.2014</a:t>
             </a:fld>
             <a:endParaRPr lang="de-DE"/>
           </a:p>
@@ -2571,7 +3208,7 @@
           <a:p>
             <a:fld id="{302AB807-5552-4B99-8881-D4A80D8FFE91}" type="datetimeFigureOut">
               <a:rPr lang="de-DE" smtClean="0"/>
-              <a:t>07.07.2014</a:t>
+              <a:t>08.07.2014</a:t>
             </a:fld>
             <a:endParaRPr lang="de-DE"/>
           </a:p>
@@ -2988,14 +3625,16 @@
         </p:nvSpPr>
         <p:spPr/>
         <p:txBody>
-          <a:bodyPr/>
-          <a:lstStyle/>
-          <a:p>
-            <a:r>
-              <a:rPr lang="de-DE" dirty="0" smtClean="0"/>
-              <a:t>MHC stuff</a:t>
-            </a:r>
-            <a:endParaRPr lang="de-DE" dirty="0"/>
+          <a:bodyPr>
+            <a:normAutofit/>
+          </a:bodyPr>
+          <a:lstStyle/>
+          <a:p>
+            <a:r>
+              <a:rPr lang="de-DE" sz="4800" dirty="0" smtClean="0"/>
+              <a:t>Assembly and genotyping of a MHC gene fragment</a:t>
+            </a:r>
+            <a:endParaRPr lang="de-DE" sz="4800" dirty="0"/>
           </a:p>
         </p:txBody>
       </p:sp>
@@ -3016,7 +3655,11 @@
           <a:p>
             <a:r>
               <a:rPr lang="de-DE" dirty="0" smtClean="0"/>
-              <a:t>yo</a:t>
+              <a:t>Benjamin Strauch, Moritz </a:t>
+            </a:r>
+            <a:r>
+              <a:rPr lang="de-DE" dirty="0" smtClean="0"/>
+              <a:t>Kiekeben</a:t>
             </a:r>
             <a:endParaRPr lang="de-DE" dirty="0"/>
           </a:p>
@@ -3026,6 +3669,1068 @@
     <p:extLst>
       <p:ext uri="{BB962C8B-B14F-4D97-AF65-F5344CB8AC3E}">
         <p14:creationId xmlns:p14="http://schemas.microsoft.com/office/powerpoint/2010/main" val="601679914"/>
+      </p:ext>
+    </p:extLst>
+  </p:cSld>
+  <p:clrMapOvr>
+    <a:masterClrMapping/>
+  </p:clrMapOvr>
+  <mc:AlternateContent xmlns:mc="http://schemas.openxmlformats.org/markup-compatibility/2006">
+    <mc:Choice xmlns:p14="http://schemas.microsoft.com/office/powerpoint/2010/main" Requires="p14">
+      <p:transition spd="slow" p14:dur="2000" advTm="498"/>
+    </mc:Choice>
+    <mc:Fallback>
+      <p:transition spd="slow" advTm="498"/>
+    </mc:Fallback>
+  </mc:AlternateContent>
+  <p:timing>
+    <p:tnLst>
+      <p:par>
+        <p:cTn id="1" dur="indefinite" restart="never" nodeType="tmRoot"/>
+      </p:par>
+    </p:tnLst>
+  </p:timing>
+</p:sld>
+</file>
+
+<file path=ppt/slides/slide10.xml><?xml version="1.0" encoding="utf-8"?>
+<p:sld xmlns:a="http://schemas.openxmlformats.org/drawingml/2006/main" xmlns:r="http://schemas.openxmlformats.org/officeDocument/2006/relationships" xmlns:p="http://schemas.openxmlformats.org/presentationml/2006/main">
+  <p:cSld>
+    <p:spTree>
+      <p:nvGrpSpPr>
+        <p:cNvPr id="1" name=""/>
+        <p:cNvGrpSpPr/>
+        <p:nvPr/>
+      </p:nvGrpSpPr>
+      <p:grpSpPr>
+        <a:xfrm>
+          <a:off x="0" y="0"/>
+          <a:ext cx="0" cy="0"/>
+          <a:chOff x="0" y="0"/>
+          <a:chExt cx="0" cy="0"/>
+        </a:xfrm>
+      </p:grpSpPr>
+      <p:sp>
+        <p:nvSpPr>
+          <p:cNvPr id="2" name="Title 1"/>
+          <p:cNvSpPr>
+            <a:spLocks noGrp="1"/>
+          </p:cNvSpPr>
+          <p:nvPr>
+            <p:ph type="title"/>
+          </p:nvPr>
+        </p:nvSpPr>
+        <p:spPr/>
+        <p:txBody>
+          <a:bodyPr/>
+          <a:lstStyle/>
+          <a:p>
+            <a:r>
+              <a:rPr lang="de-DE" dirty="0" smtClean="0"/>
+              <a:t>Generating an assembly</a:t>
+            </a:r>
+            <a:endParaRPr lang="de-DE" dirty="0"/>
+          </a:p>
+        </p:txBody>
+      </p:sp>
+      <p:sp>
+        <p:nvSpPr>
+          <p:cNvPr id="3" name="Content Placeholder 2"/>
+          <p:cNvSpPr>
+            <a:spLocks noGrp="1"/>
+          </p:cNvSpPr>
+          <p:nvPr>
+            <p:ph idx="1"/>
+          </p:nvPr>
+        </p:nvSpPr>
+        <p:spPr/>
+        <p:txBody>
+          <a:bodyPr/>
+          <a:lstStyle/>
+          <a:p>
+            <a:r>
+              <a:rPr lang="de-DE" dirty="0" smtClean="0"/>
+              <a:t>Given mapped reads, generate a consensus sequence</a:t>
+            </a:r>
+          </a:p>
+          <a:p>
+            <a:r>
+              <a:rPr lang="de-DE" dirty="0" smtClean="0"/>
+              <a:t>Create a pileup from the read mapping using </a:t>
+            </a:r>
+            <a:r>
+              <a:rPr lang="de-DE" i="1" dirty="0" smtClean="0"/>
+              <a:t>mpileup </a:t>
+            </a:r>
+            <a:r>
+              <a:rPr lang="de-DE" dirty="0" smtClean="0"/>
+              <a:t>and </a:t>
+            </a:r>
+            <a:r>
+              <a:rPr lang="de-DE" i="1" dirty="0" smtClean="0"/>
+              <a:t>bcftools</a:t>
+            </a:r>
+          </a:p>
+          <a:p>
+            <a:endParaRPr lang="de-DE" i="1" dirty="0"/>
+          </a:p>
+          <a:p>
+            <a:r>
+              <a:rPr lang="de-DE" dirty="0" smtClean="0"/>
+              <a:t>Between Exon 1 and Exon 3</a:t>
+            </a:r>
+            <a:r>
+              <a:rPr lang="de-DE" smtClean="0"/>
+              <a:t>, </a:t>
+            </a:r>
+            <a:r>
+              <a:rPr lang="de-DE" i="1" smtClean="0"/>
+              <a:t>96.9% </a:t>
+            </a:r>
+            <a:r>
+              <a:rPr lang="de-DE" smtClean="0"/>
+              <a:t>sequence identity with </a:t>
+            </a:r>
+            <a:r>
+              <a:rPr lang="de-DE" i="1" smtClean="0"/>
+              <a:t>ovis aries</a:t>
+            </a:r>
+            <a:endParaRPr lang="de-DE" dirty="0" smtClean="0"/>
+          </a:p>
+        </p:txBody>
+      </p:sp>
+      <p:pic>
+        <p:nvPicPr>
+          <p:cNvPr id="5" name="Picture 4"/>
+          <p:cNvPicPr>
+            <a:picLocks noChangeAspect="1"/>
+          </p:cNvPicPr>
+          <p:nvPr/>
+        </p:nvPicPr>
+        <p:blipFill>
+          <a:blip r:embed="rId2">
+            <a:extLst>
+              <a:ext uri="{28A0092B-C50C-407E-A947-70E740481C1C}">
+                <a14:useLocalDpi xmlns:a14="http://schemas.microsoft.com/office/drawing/2010/main" val="0"/>
+              </a:ext>
+            </a:extLst>
+          </a:blip>
+          <a:stretch>
+            <a:fillRect/>
+          </a:stretch>
+        </p:blipFill>
+        <p:spPr>
+          <a:xfrm>
+            <a:off x="203983" y="4846320"/>
+            <a:ext cx="11784033" cy="1102103"/>
+          </a:xfrm>
+          <a:prstGeom prst="rect">
+            <a:avLst/>
+          </a:prstGeom>
+        </p:spPr>
+      </p:pic>
+    </p:spTree>
+    <p:extLst>
+      <p:ext uri="{BB962C8B-B14F-4D97-AF65-F5344CB8AC3E}">
+        <p14:creationId xmlns:p14="http://schemas.microsoft.com/office/powerpoint/2010/main" val="2234785502"/>
+      </p:ext>
+    </p:extLst>
+  </p:cSld>
+  <p:clrMapOvr>
+    <a:masterClrMapping/>
+  </p:clrMapOvr>
+  <p:timing>
+    <p:tnLst>
+      <p:par>
+        <p:cTn id="1" dur="indefinite" restart="never" nodeType="tmRoot"/>
+      </p:par>
+    </p:tnLst>
+  </p:timing>
+</p:sld>
+</file>
+
+<file path=ppt/slides/slide11.xml><?xml version="1.0" encoding="utf-8"?>
+<p:sld xmlns:a="http://schemas.openxmlformats.org/drawingml/2006/main" xmlns:r="http://schemas.openxmlformats.org/officeDocument/2006/relationships" xmlns:p="http://schemas.openxmlformats.org/presentationml/2006/main">
+  <p:cSld>
+    <p:spTree>
+      <p:nvGrpSpPr>
+        <p:cNvPr id="1" name=""/>
+        <p:cNvGrpSpPr/>
+        <p:nvPr/>
+      </p:nvGrpSpPr>
+      <p:grpSpPr>
+        <a:xfrm>
+          <a:off x="0" y="0"/>
+          <a:ext cx="0" cy="0"/>
+          <a:chOff x="0" y="0"/>
+          <a:chExt cx="0" cy="0"/>
+        </a:xfrm>
+      </p:grpSpPr>
+      <p:sp>
+        <p:nvSpPr>
+          <p:cNvPr id="2" name="Title 1"/>
+          <p:cNvSpPr>
+            <a:spLocks noGrp="1"/>
+          </p:cNvSpPr>
+          <p:nvPr>
+            <p:ph type="title"/>
+          </p:nvPr>
+        </p:nvSpPr>
+        <p:spPr/>
+        <p:txBody>
+          <a:bodyPr/>
+          <a:lstStyle/>
+          <a:p>
+            <a:r>
+              <a:rPr lang="de-DE" dirty="0" smtClean="0"/>
+              <a:t>De novo assembly</a:t>
+            </a:r>
+            <a:endParaRPr lang="de-DE" dirty="0"/>
+          </a:p>
+        </p:txBody>
+      </p:sp>
+      <p:sp>
+        <p:nvSpPr>
+          <p:cNvPr id="3" name="Content Placeholder 2"/>
+          <p:cNvSpPr>
+            <a:spLocks noGrp="1"/>
+          </p:cNvSpPr>
+          <p:nvPr>
+            <p:ph idx="1"/>
+          </p:nvPr>
+        </p:nvSpPr>
+        <p:spPr/>
+        <p:txBody>
+          <a:bodyPr/>
+          <a:lstStyle/>
+          <a:p>
+            <a:r>
+              <a:rPr lang="de-DE" dirty="0" smtClean="0"/>
+              <a:t>Assemble without reference: </a:t>
+            </a:r>
+            <a:r>
+              <a:rPr lang="de-DE" i="1" dirty="0" smtClean="0"/>
+              <a:t>Velvet</a:t>
+            </a:r>
+            <a:endParaRPr lang="de-DE" dirty="0" smtClean="0"/>
+          </a:p>
+          <a:p>
+            <a:r>
+              <a:rPr lang="de-DE" dirty="0" smtClean="0"/>
+              <a:t>Infer sequential structure by detecting overlaps between reads</a:t>
+            </a:r>
+          </a:p>
+          <a:p>
+            <a:r>
+              <a:rPr lang="de-DE" dirty="0" smtClean="0"/>
+              <a:t>De novo assembly generally supports the reference-based assembly</a:t>
+            </a:r>
+            <a:endParaRPr lang="de-DE" dirty="0"/>
+          </a:p>
+        </p:txBody>
+      </p:sp>
+      <p:pic>
+        <p:nvPicPr>
+          <p:cNvPr id="4" name="Picture 3"/>
+          <p:cNvPicPr>
+            <a:picLocks noChangeAspect="1"/>
+          </p:cNvPicPr>
+          <p:nvPr/>
+        </p:nvPicPr>
+        <p:blipFill>
+          <a:blip r:embed="rId3">
+            <a:extLst>
+              <a:ext uri="{28A0092B-C50C-407E-A947-70E740481C1C}">
+                <a14:useLocalDpi xmlns:a14="http://schemas.microsoft.com/office/drawing/2010/main" val="0"/>
+              </a:ext>
+            </a:extLst>
+          </a:blip>
+          <a:stretch>
+            <a:fillRect/>
+          </a:stretch>
+        </p:blipFill>
+        <p:spPr>
+          <a:xfrm>
+            <a:off x="467027" y="3739897"/>
+            <a:ext cx="11257945" cy="1679130"/>
+          </a:xfrm>
+          <a:prstGeom prst="rect">
+            <a:avLst/>
+          </a:prstGeom>
+        </p:spPr>
+      </p:pic>
+    </p:spTree>
+    <p:extLst>
+      <p:ext uri="{BB962C8B-B14F-4D97-AF65-F5344CB8AC3E}">
+        <p14:creationId xmlns:p14="http://schemas.microsoft.com/office/powerpoint/2010/main" val="3825834826"/>
+      </p:ext>
+    </p:extLst>
+  </p:cSld>
+  <p:clrMapOvr>
+    <a:masterClrMapping/>
+  </p:clrMapOvr>
+</p:sld>
+</file>
+
+<file path=ppt/slides/slide12.xml><?xml version="1.0" encoding="utf-8"?>
+<p:sld xmlns:a="http://schemas.openxmlformats.org/drawingml/2006/main" xmlns:r="http://schemas.openxmlformats.org/officeDocument/2006/relationships" xmlns:p="http://schemas.openxmlformats.org/presentationml/2006/main">
+  <p:cSld>
+    <p:spTree>
+      <p:nvGrpSpPr>
+        <p:cNvPr id="1" name=""/>
+        <p:cNvGrpSpPr/>
+        <p:nvPr/>
+      </p:nvGrpSpPr>
+      <p:grpSpPr>
+        <a:xfrm>
+          <a:off x="0" y="0"/>
+          <a:ext cx="0" cy="0"/>
+          <a:chOff x="0" y="0"/>
+          <a:chExt cx="0" cy="0"/>
+        </a:xfrm>
+      </p:grpSpPr>
+      <p:sp>
+        <p:nvSpPr>
+          <p:cNvPr id="2" name="Title 1"/>
+          <p:cNvSpPr>
+            <a:spLocks noGrp="1"/>
+          </p:cNvSpPr>
+          <p:nvPr>
+            <p:ph type="title"/>
+          </p:nvPr>
+        </p:nvSpPr>
+        <p:spPr/>
+        <p:txBody>
+          <a:bodyPr/>
+          <a:lstStyle/>
+          <a:p>
+            <a:r>
+              <a:rPr lang="de-DE" dirty="0" smtClean="0"/>
+              <a:t>Detecting alleles	</a:t>
+            </a:r>
+            <a:endParaRPr lang="de-DE" dirty="0"/>
+          </a:p>
+        </p:txBody>
+      </p:sp>
+      <p:sp>
+        <p:nvSpPr>
+          <p:cNvPr id="3" name="Content Placeholder 2"/>
+          <p:cNvSpPr>
+            <a:spLocks noGrp="1"/>
+          </p:cNvSpPr>
+          <p:nvPr>
+            <p:ph idx="1"/>
+          </p:nvPr>
+        </p:nvSpPr>
+        <p:spPr/>
+        <p:txBody>
+          <a:bodyPr/>
+          <a:lstStyle/>
+          <a:p>
+            <a:r>
+              <a:rPr lang="de-DE" dirty="0" smtClean="0"/>
+              <a:t>Given the consensus region/assembly, detect variants</a:t>
+            </a:r>
+          </a:p>
+          <a:p>
+            <a:r>
+              <a:rPr lang="de-DE" dirty="0" smtClean="0"/>
+              <a:t>Try two approaches:</a:t>
+            </a:r>
+          </a:p>
+          <a:p>
+            <a:pPr lvl="1"/>
+            <a:r>
+              <a:rPr lang="de-DE" dirty="0" smtClean="0"/>
+              <a:t>Detect variants in reads when aligned to </a:t>
+            </a:r>
+            <a:r>
+              <a:rPr lang="de-DE" i="1" dirty="0" smtClean="0"/>
+              <a:t>ovis aries</a:t>
+            </a:r>
+            <a:r>
+              <a:rPr lang="de-DE" dirty="0" smtClean="0"/>
+              <a:t> reference</a:t>
+            </a:r>
+          </a:p>
+          <a:p>
+            <a:pPr lvl="1"/>
+            <a:r>
+              <a:rPr lang="de-DE" dirty="0" smtClean="0"/>
+              <a:t>Realign the reads onto the consensus and count 0/1 variants</a:t>
+            </a:r>
+          </a:p>
+          <a:p>
+            <a:pPr marL="457200" lvl="1" indent="0">
+              <a:buNone/>
+            </a:pPr>
+            <a:endParaRPr lang="de-DE" dirty="0" smtClean="0"/>
+          </a:p>
+          <a:p>
+            <a:r>
+              <a:rPr lang="de-DE" dirty="0" smtClean="0"/>
+              <a:t>Variants in the reads will indicate alleles</a:t>
+            </a:r>
+          </a:p>
+          <a:p>
+            <a:endParaRPr lang="de-DE" dirty="0"/>
+          </a:p>
+          <a:p>
+            <a:r>
+              <a:rPr lang="de-DE" dirty="0" smtClean="0"/>
+              <a:t>GATK used for variant calling</a:t>
+            </a:r>
+            <a:endParaRPr lang="de-DE" dirty="0"/>
+          </a:p>
+        </p:txBody>
+      </p:sp>
+    </p:spTree>
+    <p:extLst>
+      <p:ext uri="{BB962C8B-B14F-4D97-AF65-F5344CB8AC3E}">
+        <p14:creationId xmlns:p14="http://schemas.microsoft.com/office/powerpoint/2010/main" val="2056182714"/>
+      </p:ext>
+    </p:extLst>
+  </p:cSld>
+  <p:clrMapOvr>
+    <a:masterClrMapping/>
+  </p:clrMapOvr>
+</p:sld>
+</file>
+
+<file path=ppt/slides/slide13.xml><?xml version="1.0" encoding="utf-8"?>
+<p:sld xmlns:a="http://schemas.openxmlformats.org/drawingml/2006/main" xmlns:r="http://schemas.openxmlformats.org/officeDocument/2006/relationships" xmlns:p="http://schemas.openxmlformats.org/presentationml/2006/main">
+  <p:cSld>
+    <p:spTree>
+      <p:nvGrpSpPr>
+        <p:cNvPr id="1" name=""/>
+        <p:cNvGrpSpPr/>
+        <p:nvPr/>
+      </p:nvGrpSpPr>
+      <p:grpSpPr>
+        <a:xfrm>
+          <a:off x="0" y="0"/>
+          <a:ext cx="0" cy="0"/>
+          <a:chOff x="0" y="0"/>
+          <a:chExt cx="0" cy="0"/>
+        </a:xfrm>
+      </p:grpSpPr>
+      <p:sp>
+        <p:nvSpPr>
+          <p:cNvPr id="2" name="Title 1"/>
+          <p:cNvSpPr>
+            <a:spLocks noGrp="1"/>
+          </p:cNvSpPr>
+          <p:nvPr>
+            <p:ph type="title"/>
+          </p:nvPr>
+        </p:nvSpPr>
+        <p:spPr/>
+        <p:txBody>
+          <a:bodyPr/>
+          <a:lstStyle/>
+          <a:p>
+            <a:r>
+              <a:rPr lang="de-DE" dirty="0" smtClean="0"/>
+              <a:t>Detecting alleles</a:t>
+            </a:r>
+            <a:endParaRPr lang="de-DE" dirty="0"/>
+          </a:p>
+        </p:txBody>
+      </p:sp>
+      <p:sp>
+        <p:nvSpPr>
+          <p:cNvPr id="7" name="Content Placeholder 6"/>
+          <p:cNvSpPr>
+            <a:spLocks noGrp="1"/>
+          </p:cNvSpPr>
+          <p:nvPr>
+            <p:ph idx="1"/>
+          </p:nvPr>
+        </p:nvSpPr>
+        <p:spPr/>
+        <p:txBody>
+          <a:bodyPr/>
+          <a:lstStyle/>
+          <a:p>
+            <a:r>
+              <a:rPr lang="de-DE" dirty="0" smtClean="0"/>
+              <a:t>Multiple variants exist</a:t>
+            </a:r>
+          </a:p>
+          <a:p>
+            <a:r>
+              <a:rPr lang="de-DE" dirty="0" smtClean="0"/>
+              <a:t>Few/not significantly more variants in exon 2 detected</a:t>
+            </a:r>
+            <a:endParaRPr lang="de-DE" dirty="0"/>
+          </a:p>
+        </p:txBody>
+      </p:sp>
+      <p:pic>
+        <p:nvPicPr>
+          <p:cNvPr id="8" name="Content Placeholder 5"/>
+          <p:cNvPicPr>
+            <a:picLocks noChangeAspect="1"/>
+          </p:cNvPicPr>
+          <p:nvPr/>
+        </p:nvPicPr>
+        <p:blipFill>
+          <a:blip r:embed="rId2">
+            <a:extLst>
+              <a:ext uri="{28A0092B-C50C-407E-A947-70E740481C1C}">
+                <a14:useLocalDpi xmlns:a14="http://schemas.microsoft.com/office/drawing/2010/main" val="0"/>
+              </a:ext>
+            </a:extLst>
+          </a:blip>
+          <a:stretch>
+            <a:fillRect/>
+          </a:stretch>
+        </p:blipFill>
+        <p:spPr>
+          <a:xfrm>
+            <a:off x="838200" y="3534544"/>
+            <a:ext cx="10515600" cy="933499"/>
+          </a:xfrm>
+          <a:prstGeom prst="rect">
+            <a:avLst/>
+          </a:prstGeom>
+        </p:spPr>
+      </p:pic>
+    </p:spTree>
+    <p:extLst>
+      <p:ext uri="{BB962C8B-B14F-4D97-AF65-F5344CB8AC3E}">
+        <p14:creationId xmlns:p14="http://schemas.microsoft.com/office/powerpoint/2010/main" val="591387685"/>
+      </p:ext>
+    </p:extLst>
+  </p:cSld>
+  <p:clrMapOvr>
+    <a:masterClrMapping/>
+  </p:clrMapOvr>
+  <p:timing>
+    <p:tnLst>
+      <p:par>
+        <p:cTn id="1" dur="indefinite" restart="never" nodeType="tmRoot"/>
+      </p:par>
+    </p:tnLst>
+  </p:timing>
+</p:sld>
+</file>
+
+<file path=ppt/slides/slide14.xml><?xml version="1.0" encoding="utf-8"?>
+<p:sld xmlns:a="http://schemas.openxmlformats.org/drawingml/2006/main" xmlns:r="http://schemas.openxmlformats.org/officeDocument/2006/relationships" xmlns:p="http://schemas.openxmlformats.org/presentationml/2006/main">
+  <p:cSld>
+    <p:spTree>
+      <p:nvGrpSpPr>
+        <p:cNvPr id="1" name=""/>
+        <p:cNvGrpSpPr/>
+        <p:nvPr/>
+      </p:nvGrpSpPr>
+      <p:grpSpPr>
+        <a:xfrm>
+          <a:off x="0" y="0"/>
+          <a:ext cx="0" cy="0"/>
+          <a:chOff x="0" y="0"/>
+          <a:chExt cx="0" cy="0"/>
+        </a:xfrm>
+      </p:grpSpPr>
+      <p:sp>
+        <p:nvSpPr>
+          <p:cNvPr id="2" name="Title 1"/>
+          <p:cNvSpPr>
+            <a:spLocks noGrp="1"/>
+          </p:cNvSpPr>
+          <p:nvPr>
+            <p:ph type="title"/>
+          </p:nvPr>
+        </p:nvSpPr>
+        <p:spPr/>
+        <p:txBody>
+          <a:bodyPr/>
+          <a:lstStyle/>
+          <a:p>
+            <a:r>
+              <a:rPr lang="de-DE" dirty="0" smtClean="0"/>
+              <a:t>Finding paralogs</a:t>
+            </a:r>
+            <a:endParaRPr lang="de-DE" dirty="0"/>
+          </a:p>
+        </p:txBody>
+      </p:sp>
+      <p:sp>
+        <p:nvSpPr>
+          <p:cNvPr id="3" name="Content Placeholder 2"/>
+          <p:cNvSpPr>
+            <a:spLocks noGrp="1"/>
+          </p:cNvSpPr>
+          <p:nvPr>
+            <p:ph idx="1"/>
+          </p:nvPr>
+        </p:nvSpPr>
+        <p:spPr/>
+        <p:txBody>
+          <a:bodyPr/>
+          <a:lstStyle/>
+          <a:p>
+            <a:r>
+              <a:rPr lang="de-DE" dirty="0" smtClean="0"/>
+              <a:t>Try to detect paralogs using the </a:t>
+            </a:r>
+            <a:r>
+              <a:rPr lang="de-DE" i="1" dirty="0" smtClean="0"/>
+              <a:t>de novo</a:t>
+            </a:r>
+            <a:r>
+              <a:rPr lang="de-DE" dirty="0" smtClean="0"/>
+              <a:t> sequencing approach</a:t>
+            </a:r>
+          </a:p>
+          <a:p>
+            <a:r>
+              <a:rPr lang="de-DE" dirty="0" smtClean="0"/>
+              <a:t>Expect some contigs to originate from paralogs</a:t>
+            </a:r>
+          </a:p>
+          <a:p>
+            <a:pPr lvl="1"/>
+            <a:r>
+              <a:rPr lang="de-DE" dirty="0" smtClean="0"/>
+              <a:t>Problem: Chimeric contigs, few reads from paralogs</a:t>
+            </a:r>
+          </a:p>
+          <a:p>
+            <a:pPr lvl="1"/>
+            <a:endParaRPr lang="de-DE" dirty="0"/>
+          </a:p>
+          <a:p>
+            <a:r>
+              <a:rPr lang="de-DE" dirty="0" smtClean="0"/>
+              <a:t>Search contigs in </a:t>
+            </a:r>
+            <a:r>
+              <a:rPr lang="de-DE" i="1" dirty="0" smtClean="0"/>
+              <a:t>ovis aries</a:t>
+            </a:r>
+            <a:r>
+              <a:rPr lang="de-DE" dirty="0" smtClean="0"/>
+              <a:t>, expecting DRB duplication in sheep</a:t>
+            </a:r>
+            <a:endParaRPr lang="de-DE" dirty="0"/>
+          </a:p>
+        </p:txBody>
+      </p:sp>
+      <p:pic>
+        <p:nvPicPr>
+          <p:cNvPr id="4" name="Picture 3"/>
+          <p:cNvPicPr>
+            <a:picLocks noChangeAspect="1"/>
+          </p:cNvPicPr>
+          <p:nvPr/>
+        </p:nvPicPr>
+        <p:blipFill>
+          <a:blip r:embed="rId3">
+            <a:extLst>
+              <a:ext uri="{28A0092B-C50C-407E-A947-70E740481C1C}">
+                <a14:useLocalDpi xmlns:a14="http://schemas.microsoft.com/office/drawing/2010/main" val="0"/>
+              </a:ext>
+            </a:extLst>
+          </a:blip>
+          <a:stretch>
+            <a:fillRect/>
+          </a:stretch>
+        </p:blipFill>
+        <p:spPr>
+          <a:xfrm>
+            <a:off x="348508" y="4873753"/>
+            <a:ext cx="11494984" cy="1032600"/>
+          </a:xfrm>
+          <a:prstGeom prst="rect">
+            <a:avLst/>
+          </a:prstGeom>
+        </p:spPr>
+      </p:pic>
+      <p:pic>
+        <p:nvPicPr>
+          <p:cNvPr id="5" name="Picture 4"/>
+          <p:cNvPicPr>
+            <a:picLocks noChangeAspect="1"/>
+          </p:cNvPicPr>
+          <p:nvPr/>
+        </p:nvPicPr>
+        <p:blipFill>
+          <a:blip r:embed="rId4">
+            <a:extLst>
+              <a:ext uri="{28A0092B-C50C-407E-A947-70E740481C1C}">
+                <a14:useLocalDpi xmlns:a14="http://schemas.microsoft.com/office/drawing/2010/main" val="0"/>
+              </a:ext>
+            </a:extLst>
+          </a:blip>
+          <a:stretch>
+            <a:fillRect/>
+          </a:stretch>
+        </p:blipFill>
+        <p:spPr>
+          <a:xfrm>
+            <a:off x="348508" y="4899453"/>
+            <a:ext cx="11494984" cy="981199"/>
+          </a:xfrm>
+          <a:prstGeom prst="rect">
+            <a:avLst/>
+          </a:prstGeom>
+        </p:spPr>
+      </p:pic>
+    </p:spTree>
+    <p:extLst>
+      <p:ext uri="{BB962C8B-B14F-4D97-AF65-F5344CB8AC3E}">
+        <p14:creationId xmlns:p14="http://schemas.microsoft.com/office/powerpoint/2010/main" val="1409334411"/>
+      </p:ext>
+    </p:extLst>
+  </p:cSld>
+  <p:clrMapOvr>
+    <a:masterClrMapping/>
+  </p:clrMapOvr>
+  <p:timing>
+    <p:tnLst>
+      <p:par>
+        <p:cTn id="1" dur="indefinite" restart="never" nodeType="tmRoot">
+          <p:childTnLst>
+            <p:seq concurrent="1" nextAc="seek">
+              <p:cTn id="2" dur="indefinite" nodeType="mainSeq">
+                <p:childTnLst>
+                  <p:par>
+                    <p:cTn id="3" fill="hold">
+                      <p:stCondLst>
+                        <p:cond delay="indefinite"/>
+                      </p:stCondLst>
+                      <p:childTnLst>
+                        <p:par>
+                          <p:cTn id="4" fill="hold">
+                            <p:stCondLst>
+                              <p:cond delay="0"/>
+                            </p:stCondLst>
+                            <p:childTnLst>
+                              <p:par>
+                                <p:cTn id="5" presetID="10" presetClass="entr" presetSubtype="0" fill="hold" nodeType="clickEffect">
+                                  <p:stCondLst>
+                                    <p:cond delay="0"/>
+                                  </p:stCondLst>
+                                  <p:childTnLst>
+                                    <p:set>
+                                      <p:cBhvr>
+                                        <p:cTn id="6" dur="1" fill="hold">
+                                          <p:stCondLst>
+                                            <p:cond delay="0"/>
+                                          </p:stCondLst>
+                                        </p:cTn>
+                                        <p:tgtEl>
+                                          <p:spTgt spid="5"/>
+                                        </p:tgtEl>
+                                        <p:attrNameLst>
+                                          <p:attrName>style.visibility</p:attrName>
+                                        </p:attrNameLst>
+                                      </p:cBhvr>
+                                      <p:to>
+                                        <p:strVal val="visible"/>
+                                      </p:to>
+                                    </p:set>
+                                    <p:animEffect transition="in" filter="fade">
+                                      <p:cBhvr>
+                                        <p:cTn id="7" dur="500"/>
+                                        <p:tgtEl>
+                                          <p:spTgt spid="5"/>
+                                        </p:tgtEl>
+                                      </p:cBhvr>
+                                    </p:animEffect>
+                                  </p:childTnLst>
+                                </p:cTn>
+                              </p:par>
+                              <p:par>
+                                <p:cTn id="8" presetID="10" presetClass="exit" presetSubtype="0" fill="hold" nodeType="withEffect">
+                                  <p:stCondLst>
+                                    <p:cond delay="0"/>
+                                  </p:stCondLst>
+                                  <p:childTnLst>
+                                    <p:animEffect transition="out" filter="fade">
+                                      <p:cBhvr>
+                                        <p:cTn id="9" dur="500"/>
+                                        <p:tgtEl>
+                                          <p:spTgt spid="4"/>
+                                        </p:tgtEl>
+                                      </p:cBhvr>
+                                    </p:animEffect>
+                                    <p:set>
+                                      <p:cBhvr>
+                                        <p:cTn id="10" dur="1" fill="hold">
+                                          <p:stCondLst>
+                                            <p:cond delay="499"/>
+                                          </p:stCondLst>
+                                        </p:cTn>
+                                        <p:tgtEl>
+                                          <p:spTgt spid="4"/>
+                                        </p:tgtEl>
+                                        <p:attrNameLst>
+                                          <p:attrName>style.visibility</p:attrName>
+                                        </p:attrNameLst>
+                                      </p:cBhvr>
+                                      <p:to>
+                                        <p:strVal val="hidden"/>
+                                      </p:to>
+                                    </p:set>
+                                  </p:childTnLst>
+                                </p:cTn>
+                              </p:par>
+                            </p:childTnLst>
+                          </p:cTn>
+                        </p:par>
+                      </p:childTnLst>
+                    </p:cTn>
+                  </p:par>
+                </p:childTnLst>
+              </p:cTn>
+              <p:prevCondLst>
+                <p:cond evt="onPrev" delay="0">
+                  <p:tgtEl>
+                    <p:sldTgt/>
+                  </p:tgtEl>
+                </p:cond>
+              </p:prevCondLst>
+              <p:nextCondLst>
+                <p:cond evt="onNext" delay="0">
+                  <p:tgtEl>
+                    <p:sldTgt/>
+                  </p:tgtEl>
+                </p:cond>
+              </p:nextCondLst>
+            </p:seq>
+          </p:childTnLst>
+        </p:cTn>
+      </p:par>
+    </p:tnLst>
+  </p:timing>
+</p:sld>
+</file>
+
+<file path=ppt/slides/slide15.xml><?xml version="1.0" encoding="utf-8"?>
+<p:sld xmlns:a="http://schemas.openxmlformats.org/drawingml/2006/main" xmlns:r="http://schemas.openxmlformats.org/officeDocument/2006/relationships" xmlns:p="http://schemas.openxmlformats.org/presentationml/2006/main">
+  <p:cSld>
+    <p:spTree>
+      <p:nvGrpSpPr>
+        <p:cNvPr id="1" name=""/>
+        <p:cNvGrpSpPr/>
+        <p:nvPr/>
+      </p:nvGrpSpPr>
+      <p:grpSpPr>
+        <a:xfrm>
+          <a:off x="0" y="0"/>
+          <a:ext cx="0" cy="0"/>
+          <a:chOff x="0" y="0"/>
+          <a:chExt cx="0" cy="0"/>
+        </a:xfrm>
+      </p:grpSpPr>
+      <p:sp>
+        <p:nvSpPr>
+          <p:cNvPr id="2" name="Title 1"/>
+          <p:cNvSpPr>
+            <a:spLocks noGrp="1"/>
+          </p:cNvSpPr>
+          <p:nvPr>
+            <p:ph type="title"/>
+          </p:nvPr>
+        </p:nvSpPr>
+        <p:spPr/>
+        <p:txBody>
+          <a:bodyPr/>
+          <a:lstStyle/>
+          <a:p>
+            <a:r>
+              <a:rPr lang="de-DE" dirty="0" smtClean="0"/>
+              <a:t>Discussion</a:t>
+            </a:r>
+            <a:endParaRPr lang="de-DE" dirty="0"/>
+          </a:p>
+        </p:txBody>
+      </p:sp>
+      <p:sp>
+        <p:nvSpPr>
+          <p:cNvPr id="3" name="Content Placeholder 2"/>
+          <p:cNvSpPr>
+            <a:spLocks noGrp="1"/>
+          </p:cNvSpPr>
+          <p:nvPr>
+            <p:ph idx="1"/>
+          </p:nvPr>
+        </p:nvSpPr>
+        <p:spPr/>
+        <p:txBody>
+          <a:bodyPr>
+            <a:normAutofit lnSpcReduction="10000"/>
+          </a:bodyPr>
+          <a:lstStyle/>
+          <a:p>
+            <a:r>
+              <a:rPr lang="de-DE" dirty="0" smtClean="0"/>
+              <a:t>Sequence assembly</a:t>
+            </a:r>
+          </a:p>
+          <a:p>
+            <a:pPr lvl="1"/>
+            <a:r>
+              <a:rPr lang="de-DE" dirty="0" smtClean="0"/>
+              <a:t>Easier with reference-based assembly</a:t>
+            </a:r>
+          </a:p>
+          <a:p>
+            <a:pPr lvl="1"/>
+            <a:r>
+              <a:rPr lang="de-DE" dirty="0" smtClean="0"/>
+              <a:t>Possible with </a:t>
+            </a:r>
+            <a:r>
+              <a:rPr lang="de-DE" i="1" dirty="0" smtClean="0"/>
+              <a:t>de novo </a:t>
+            </a:r>
+            <a:r>
+              <a:rPr lang="de-DE" dirty="0" smtClean="0"/>
+              <a:t>assembly</a:t>
+            </a:r>
+          </a:p>
+          <a:p>
+            <a:pPr lvl="1"/>
+            <a:endParaRPr lang="de-DE" dirty="0"/>
+          </a:p>
+          <a:p>
+            <a:r>
+              <a:rPr lang="de-DE" dirty="0" smtClean="0"/>
+              <a:t>Allelic definition</a:t>
+            </a:r>
+          </a:p>
+          <a:p>
+            <a:pPr lvl="1"/>
+            <a:r>
+              <a:rPr lang="de-DE" dirty="0" smtClean="0"/>
+              <a:t>Variants indicate existence of heterozygous regions</a:t>
+            </a:r>
+          </a:p>
+          <a:p>
+            <a:pPr lvl="1"/>
+            <a:r>
+              <a:rPr lang="de-DE" dirty="0" smtClean="0"/>
+              <a:t>Variant calling ambigious, differing results depending on software used</a:t>
+            </a:r>
+          </a:p>
+          <a:p>
+            <a:pPr lvl="1"/>
+            <a:endParaRPr lang="de-DE" dirty="0"/>
+          </a:p>
+          <a:p>
+            <a:r>
+              <a:rPr lang="de-DE" dirty="0" smtClean="0"/>
+              <a:t>Paralog detection</a:t>
+            </a:r>
+          </a:p>
+          <a:p>
+            <a:pPr lvl="1"/>
+            <a:r>
+              <a:rPr lang="de-DE" dirty="0" smtClean="0"/>
+              <a:t>Difficult problem, no clear results</a:t>
+            </a:r>
+          </a:p>
+          <a:p>
+            <a:pPr lvl="1"/>
+            <a:r>
+              <a:rPr lang="de-DE" i="1" dirty="0" smtClean="0"/>
+              <a:t>De novo</a:t>
+            </a:r>
+            <a:r>
+              <a:rPr lang="de-DE" dirty="0" smtClean="0"/>
+              <a:t>-based approaches seem promising</a:t>
+            </a:r>
+            <a:endParaRPr lang="de-DE" i="1" dirty="0"/>
+          </a:p>
+        </p:txBody>
+      </p:sp>
+    </p:spTree>
+    <p:extLst>
+      <p:ext uri="{BB962C8B-B14F-4D97-AF65-F5344CB8AC3E}">
+        <p14:creationId xmlns:p14="http://schemas.microsoft.com/office/powerpoint/2010/main" val="4033448317"/>
+      </p:ext>
+    </p:extLst>
+  </p:cSld>
+  <p:clrMapOvr>
+    <a:masterClrMapping/>
+  </p:clrMapOvr>
+  <p:timing>
+    <p:tnLst>
+      <p:par>
+        <p:cTn id="1" dur="indefinite" restart="never" nodeType="tmRoot"/>
+      </p:par>
+    </p:tnLst>
+  </p:timing>
+</p:sld>
+</file>
+
+<file path=ppt/slides/slide16.xml><?xml version="1.0" encoding="utf-8"?>
+<p:sld xmlns:a="http://schemas.openxmlformats.org/drawingml/2006/main" xmlns:r="http://schemas.openxmlformats.org/officeDocument/2006/relationships" xmlns:p="http://schemas.openxmlformats.org/presentationml/2006/main">
+  <p:cSld>
+    <p:spTree>
+      <p:nvGrpSpPr>
+        <p:cNvPr id="1" name=""/>
+        <p:cNvGrpSpPr/>
+        <p:nvPr/>
+      </p:nvGrpSpPr>
+      <p:grpSpPr>
+        <a:xfrm>
+          <a:off x="0" y="0"/>
+          <a:ext cx="0" cy="0"/>
+          <a:chOff x="0" y="0"/>
+          <a:chExt cx="0" cy="0"/>
+        </a:xfrm>
+      </p:grpSpPr>
+      <p:sp>
+        <p:nvSpPr>
+          <p:cNvPr id="2" name="Title 1"/>
+          <p:cNvSpPr>
+            <a:spLocks noGrp="1"/>
+          </p:cNvSpPr>
+          <p:nvPr>
+            <p:ph type="title"/>
+          </p:nvPr>
+        </p:nvSpPr>
+        <p:spPr/>
+        <p:txBody>
+          <a:bodyPr/>
+          <a:lstStyle/>
+          <a:p>
+            <a:r>
+              <a:rPr lang="de-DE" dirty="0" smtClean="0"/>
+              <a:t>Outlook</a:t>
+            </a:r>
+            <a:endParaRPr lang="de-DE" dirty="0"/>
+          </a:p>
+        </p:txBody>
+      </p:sp>
+      <p:sp>
+        <p:nvSpPr>
+          <p:cNvPr id="3" name="Content Placeholder 2"/>
+          <p:cNvSpPr>
+            <a:spLocks noGrp="1"/>
+          </p:cNvSpPr>
+          <p:nvPr>
+            <p:ph idx="1"/>
+          </p:nvPr>
+        </p:nvSpPr>
+        <p:spPr/>
+        <p:txBody>
+          <a:bodyPr/>
+          <a:lstStyle/>
+          <a:p>
+            <a:endParaRPr lang="de-DE" dirty="0"/>
+          </a:p>
+        </p:txBody>
+      </p:sp>
+    </p:spTree>
+    <p:extLst>
+      <p:ext uri="{BB962C8B-B14F-4D97-AF65-F5344CB8AC3E}">
+        <p14:creationId xmlns:p14="http://schemas.microsoft.com/office/powerpoint/2010/main" val="2679988460"/>
       </p:ext>
     </p:extLst>
   </p:cSld>
@@ -3296,6 +5001,14 @@
   <p:clrMapOvr>
     <a:masterClrMapping/>
   </p:clrMapOvr>
+  <mc:AlternateContent xmlns:mc="http://schemas.openxmlformats.org/markup-compatibility/2006">
+    <mc:Choice xmlns:p14="http://schemas.microsoft.com/office/powerpoint/2010/main" Requires="p14">
+      <p:transition spd="slow" p14:dur="2000" advTm="1186"/>
+    </mc:Choice>
+    <mc:Fallback>
+      <p:transition spd="slow" advTm="1186"/>
+    </mc:Fallback>
+  </mc:AlternateContent>
   <p:timing>
     <p:tnLst>
       <p:par>
@@ -3652,7 +5365,7 @@
           <a:p>
             <a:r>
               <a:rPr lang="de-DE" dirty="0" smtClean="0"/>
-              <a:t>Resolve allele definition</a:t>
+              <a:t>Characterize alleles</a:t>
             </a:r>
           </a:p>
           <a:p>
@@ -3667,6 +5380,524 @@
           </a:p>
         </p:txBody>
       </p:sp>
+      <p:sp>
+        <p:nvSpPr>
+          <p:cNvPr id="4" name="Rectangle 3"/>
+          <p:cNvSpPr/>
+          <p:nvPr/>
+        </p:nvSpPr>
+        <p:spPr>
+          <a:xfrm>
+            <a:off x="7537376" y="1655039"/>
+            <a:ext cx="3816424" cy="509765"/>
+          </a:xfrm>
+          <a:prstGeom prst="rect">
+            <a:avLst/>
+          </a:prstGeom>
+        </p:spPr>
+        <p:style>
+          <a:lnRef idx="2">
+            <a:schemeClr val="accent1">
+              <a:shade val="50000"/>
+            </a:schemeClr>
+          </a:lnRef>
+          <a:fillRef idx="1">
+            <a:schemeClr val="accent1"/>
+          </a:fillRef>
+          <a:effectRef idx="0">
+            <a:schemeClr val="accent1"/>
+          </a:effectRef>
+          <a:fontRef idx="minor">
+            <a:schemeClr val="lt1"/>
+          </a:fontRef>
+        </p:style>
+        <p:txBody>
+          <a:bodyPr rtlCol="0" anchor="ctr"/>
+          <a:lstStyle/>
+          <a:p>
+            <a:pPr algn="ctr"/>
+            <a:r>
+              <a:rPr lang="de-DE" b="1" dirty="0"/>
+              <a:t>Read trimming (Trimmomatic)</a:t>
+            </a:r>
+            <a:endParaRPr lang="de-DE" b="1" dirty="0"/>
+          </a:p>
+        </p:txBody>
+      </p:sp>
+      <p:sp>
+        <p:nvSpPr>
+          <p:cNvPr id="5" name="Rectangle 4"/>
+          <p:cNvSpPr/>
+          <p:nvPr/>
+        </p:nvSpPr>
+        <p:spPr>
+          <a:xfrm>
+            <a:off x="8294311" y="878366"/>
+            <a:ext cx="2304256" cy="482961"/>
+          </a:xfrm>
+          <a:prstGeom prst="rect">
+            <a:avLst/>
+          </a:prstGeom>
+        </p:spPr>
+        <p:style>
+          <a:lnRef idx="2">
+            <a:schemeClr val="dk1"/>
+          </a:lnRef>
+          <a:fillRef idx="1">
+            <a:schemeClr val="lt1"/>
+          </a:fillRef>
+          <a:effectRef idx="0">
+            <a:schemeClr val="dk1"/>
+          </a:effectRef>
+          <a:fontRef idx="minor">
+            <a:schemeClr val="dk1"/>
+          </a:fontRef>
+        </p:style>
+        <p:txBody>
+          <a:bodyPr rtlCol="0" anchor="ctr"/>
+          <a:lstStyle/>
+          <a:p>
+            <a:pPr algn="ctr"/>
+            <a:r>
+              <a:rPr lang="de-DE" dirty="0"/>
+              <a:t>FASTQC (Verification)</a:t>
+            </a:r>
+            <a:endParaRPr lang="de-DE" dirty="0"/>
+          </a:p>
+        </p:txBody>
+      </p:sp>
+      <p:sp>
+        <p:nvSpPr>
+          <p:cNvPr id="6" name="Rectangle 5"/>
+          <p:cNvSpPr/>
+          <p:nvPr/>
+        </p:nvSpPr>
+        <p:spPr>
+          <a:xfrm>
+            <a:off x="7537376" y="3253965"/>
+            <a:ext cx="3816424" cy="508500"/>
+          </a:xfrm>
+          <a:prstGeom prst="rect">
+            <a:avLst/>
+          </a:prstGeom>
+        </p:spPr>
+        <p:style>
+          <a:lnRef idx="2">
+            <a:schemeClr val="accent1">
+              <a:shade val="50000"/>
+            </a:schemeClr>
+          </a:lnRef>
+          <a:fillRef idx="1">
+            <a:schemeClr val="accent1"/>
+          </a:fillRef>
+          <a:effectRef idx="0">
+            <a:schemeClr val="accent1"/>
+          </a:effectRef>
+          <a:fontRef idx="minor">
+            <a:schemeClr val="lt1"/>
+          </a:fontRef>
+        </p:style>
+        <p:txBody>
+          <a:bodyPr rtlCol="0" anchor="ctr"/>
+          <a:lstStyle/>
+          <a:p>
+            <a:pPr algn="ctr"/>
+            <a:r>
+              <a:rPr lang="de-DE" b="1" dirty="0"/>
+              <a:t>Mapping (Bowtie2)</a:t>
+            </a:r>
+            <a:endParaRPr lang="de-DE" b="1" dirty="0"/>
+          </a:p>
+        </p:txBody>
+      </p:sp>
+      <p:sp>
+        <p:nvSpPr>
+          <p:cNvPr id="7" name="Rectangle 6"/>
+          <p:cNvSpPr/>
+          <p:nvPr/>
+        </p:nvSpPr>
+        <p:spPr>
+          <a:xfrm>
+            <a:off x="8294311" y="2503984"/>
+            <a:ext cx="2304256" cy="482961"/>
+          </a:xfrm>
+          <a:prstGeom prst="rect">
+            <a:avLst/>
+          </a:prstGeom>
+        </p:spPr>
+        <p:style>
+          <a:lnRef idx="2">
+            <a:schemeClr val="dk1"/>
+          </a:lnRef>
+          <a:fillRef idx="1">
+            <a:schemeClr val="lt1"/>
+          </a:fillRef>
+          <a:effectRef idx="0">
+            <a:schemeClr val="dk1"/>
+          </a:effectRef>
+          <a:fontRef idx="minor">
+            <a:schemeClr val="dk1"/>
+          </a:fontRef>
+        </p:style>
+        <p:txBody>
+          <a:bodyPr rtlCol="0" anchor="ctr"/>
+          <a:lstStyle/>
+          <a:p>
+            <a:pPr algn="ctr"/>
+            <a:r>
+              <a:rPr lang="de-DE" dirty="0"/>
+              <a:t>FASTQC (Verification)</a:t>
+            </a:r>
+            <a:endParaRPr lang="de-DE" dirty="0"/>
+          </a:p>
+        </p:txBody>
+      </p:sp>
+      <p:sp>
+        <p:nvSpPr>
+          <p:cNvPr id="8" name="Rectangle 7"/>
+          <p:cNvSpPr/>
+          <p:nvPr/>
+        </p:nvSpPr>
+        <p:spPr>
+          <a:xfrm>
+            <a:off x="8294311" y="4029485"/>
+            <a:ext cx="2304256" cy="482961"/>
+          </a:xfrm>
+          <a:prstGeom prst="rect">
+            <a:avLst/>
+          </a:prstGeom>
+        </p:spPr>
+        <p:style>
+          <a:lnRef idx="2">
+            <a:schemeClr val="dk1"/>
+          </a:lnRef>
+          <a:fillRef idx="1">
+            <a:schemeClr val="lt1"/>
+          </a:fillRef>
+          <a:effectRef idx="0">
+            <a:schemeClr val="dk1"/>
+          </a:effectRef>
+          <a:fontRef idx="minor">
+            <a:schemeClr val="dk1"/>
+          </a:fontRef>
+        </p:style>
+        <p:txBody>
+          <a:bodyPr rtlCol="0" anchor="ctr"/>
+          <a:lstStyle/>
+          <a:p>
+            <a:pPr algn="ctr"/>
+            <a:r>
+              <a:rPr lang="de-DE" dirty="0"/>
+              <a:t>IGV (Verification)</a:t>
+            </a:r>
+            <a:endParaRPr lang="de-DE" dirty="0"/>
+          </a:p>
+        </p:txBody>
+      </p:sp>
+      <p:sp>
+        <p:nvSpPr>
+          <p:cNvPr id="9" name="Rectangle 8"/>
+          <p:cNvSpPr/>
+          <p:nvPr/>
+        </p:nvSpPr>
+        <p:spPr>
+          <a:xfrm>
+            <a:off x="7537376" y="4779466"/>
+            <a:ext cx="3816424" cy="550517"/>
+          </a:xfrm>
+          <a:prstGeom prst="rect">
+            <a:avLst/>
+          </a:prstGeom>
+        </p:spPr>
+        <p:style>
+          <a:lnRef idx="2">
+            <a:schemeClr val="accent1">
+              <a:shade val="50000"/>
+            </a:schemeClr>
+          </a:lnRef>
+          <a:fillRef idx="1">
+            <a:schemeClr val="accent1"/>
+          </a:fillRef>
+          <a:effectRef idx="0">
+            <a:schemeClr val="accent1"/>
+          </a:effectRef>
+          <a:fontRef idx="minor">
+            <a:schemeClr val="lt1"/>
+          </a:fontRef>
+        </p:style>
+        <p:txBody>
+          <a:bodyPr rtlCol="0" anchor="ctr"/>
+          <a:lstStyle/>
+          <a:p>
+            <a:pPr algn="ctr"/>
+            <a:r>
+              <a:rPr lang="de-DE" b="1" dirty="0"/>
+              <a:t>Create consensus (samtools)</a:t>
+            </a:r>
+            <a:endParaRPr lang="de-DE" b="1" dirty="0"/>
+          </a:p>
+        </p:txBody>
+      </p:sp>
+      <p:sp>
+        <p:nvSpPr>
+          <p:cNvPr id="10" name="Rectangle 9"/>
+          <p:cNvSpPr/>
+          <p:nvPr/>
+        </p:nvSpPr>
+        <p:spPr>
+          <a:xfrm>
+            <a:off x="7537376" y="5623695"/>
+            <a:ext cx="3816424" cy="553268"/>
+          </a:xfrm>
+          <a:prstGeom prst="rect">
+            <a:avLst/>
+          </a:prstGeom>
+        </p:spPr>
+        <p:style>
+          <a:lnRef idx="2">
+            <a:schemeClr val="accent1">
+              <a:shade val="50000"/>
+            </a:schemeClr>
+          </a:lnRef>
+          <a:fillRef idx="1">
+            <a:schemeClr val="accent1"/>
+          </a:fillRef>
+          <a:effectRef idx="0">
+            <a:schemeClr val="accent1"/>
+          </a:effectRef>
+          <a:fontRef idx="minor">
+            <a:schemeClr val="lt1"/>
+          </a:fontRef>
+        </p:style>
+        <p:txBody>
+          <a:bodyPr rtlCol="0" anchor="ctr"/>
+          <a:lstStyle/>
+          <a:p>
+            <a:pPr algn="ctr"/>
+            <a:r>
+              <a:rPr lang="de-DE" b="1" dirty="0"/>
+              <a:t>Remapping &amp; Variant calling (GATK)</a:t>
+            </a:r>
+            <a:endParaRPr lang="de-DE" b="1" dirty="0"/>
+          </a:p>
+        </p:txBody>
+      </p:sp>
+      <p:cxnSp>
+        <p:nvCxnSpPr>
+          <p:cNvPr id="11" name="Straight Arrow Connector 10"/>
+          <p:cNvCxnSpPr>
+            <a:stCxn id="5" idx="2"/>
+            <a:endCxn id="4" idx="0"/>
+          </p:cNvCxnSpPr>
+          <p:nvPr/>
+        </p:nvCxnSpPr>
+        <p:spPr>
+          <a:xfrm flipH="1">
+            <a:off x="9445588" y="1361327"/>
+            <a:ext cx="851" cy="293712"/>
+          </a:xfrm>
+          <a:prstGeom prst="straightConnector1">
+            <a:avLst/>
+          </a:prstGeom>
+          <a:ln>
+            <a:tailEnd type="arrow"/>
+          </a:ln>
+        </p:spPr>
+        <p:style>
+          <a:lnRef idx="1">
+            <a:schemeClr val="dk1"/>
+          </a:lnRef>
+          <a:fillRef idx="0">
+            <a:schemeClr val="dk1"/>
+          </a:fillRef>
+          <a:effectRef idx="0">
+            <a:schemeClr val="dk1"/>
+          </a:effectRef>
+          <a:fontRef idx="minor">
+            <a:schemeClr val="tx1"/>
+          </a:fontRef>
+        </p:style>
+      </p:cxnSp>
+      <p:cxnSp>
+        <p:nvCxnSpPr>
+          <p:cNvPr id="12" name="Straight Arrow Connector 11"/>
+          <p:cNvCxnSpPr>
+            <a:stCxn id="4" idx="2"/>
+            <a:endCxn id="7" idx="0"/>
+          </p:cNvCxnSpPr>
+          <p:nvPr/>
+        </p:nvCxnSpPr>
+        <p:spPr>
+          <a:xfrm>
+            <a:off x="9445588" y="2164804"/>
+            <a:ext cx="851" cy="339180"/>
+          </a:xfrm>
+          <a:prstGeom prst="straightConnector1">
+            <a:avLst/>
+          </a:prstGeom>
+          <a:ln>
+            <a:tailEnd type="arrow"/>
+          </a:ln>
+        </p:spPr>
+        <p:style>
+          <a:lnRef idx="1">
+            <a:schemeClr val="dk1"/>
+          </a:lnRef>
+          <a:fillRef idx="0">
+            <a:schemeClr val="dk1"/>
+          </a:fillRef>
+          <a:effectRef idx="0">
+            <a:schemeClr val="dk1"/>
+          </a:effectRef>
+          <a:fontRef idx="minor">
+            <a:schemeClr val="tx1"/>
+          </a:fontRef>
+        </p:style>
+      </p:cxnSp>
+      <p:cxnSp>
+        <p:nvCxnSpPr>
+          <p:cNvPr id="13" name="Straight Arrow Connector 12"/>
+          <p:cNvCxnSpPr>
+            <a:stCxn id="7" idx="2"/>
+            <a:endCxn id="6" idx="0"/>
+          </p:cNvCxnSpPr>
+          <p:nvPr/>
+        </p:nvCxnSpPr>
+        <p:spPr>
+          <a:xfrm flipH="1">
+            <a:off x="9445588" y="2986945"/>
+            <a:ext cx="851" cy="267020"/>
+          </a:xfrm>
+          <a:prstGeom prst="straightConnector1">
+            <a:avLst/>
+          </a:prstGeom>
+          <a:ln>
+            <a:tailEnd type="arrow"/>
+          </a:ln>
+        </p:spPr>
+        <p:style>
+          <a:lnRef idx="1">
+            <a:schemeClr val="dk1"/>
+          </a:lnRef>
+          <a:fillRef idx="0">
+            <a:schemeClr val="dk1"/>
+          </a:fillRef>
+          <a:effectRef idx="0">
+            <a:schemeClr val="dk1"/>
+          </a:effectRef>
+          <a:fontRef idx="minor">
+            <a:schemeClr val="tx1"/>
+          </a:fontRef>
+        </p:style>
+      </p:cxnSp>
+      <p:cxnSp>
+        <p:nvCxnSpPr>
+          <p:cNvPr id="14" name="Straight Arrow Connector 13"/>
+          <p:cNvCxnSpPr>
+            <a:stCxn id="6" idx="2"/>
+            <a:endCxn id="8" idx="0"/>
+          </p:cNvCxnSpPr>
+          <p:nvPr/>
+        </p:nvCxnSpPr>
+        <p:spPr>
+          <a:xfrm>
+            <a:off x="9445588" y="3762465"/>
+            <a:ext cx="851" cy="267020"/>
+          </a:xfrm>
+          <a:prstGeom prst="straightConnector1">
+            <a:avLst/>
+          </a:prstGeom>
+          <a:ln>
+            <a:tailEnd type="arrow"/>
+          </a:ln>
+        </p:spPr>
+        <p:style>
+          <a:lnRef idx="1">
+            <a:schemeClr val="dk1"/>
+          </a:lnRef>
+          <a:fillRef idx="0">
+            <a:schemeClr val="dk1"/>
+          </a:fillRef>
+          <a:effectRef idx="0">
+            <a:schemeClr val="dk1"/>
+          </a:effectRef>
+          <a:fontRef idx="minor">
+            <a:schemeClr val="tx1"/>
+          </a:fontRef>
+        </p:style>
+      </p:cxnSp>
+      <p:cxnSp>
+        <p:nvCxnSpPr>
+          <p:cNvPr id="15" name="Straight Arrow Connector 14"/>
+          <p:cNvCxnSpPr>
+            <a:stCxn id="8" idx="2"/>
+            <a:endCxn id="9" idx="0"/>
+          </p:cNvCxnSpPr>
+          <p:nvPr/>
+        </p:nvCxnSpPr>
+        <p:spPr>
+          <a:xfrm flipH="1">
+            <a:off x="9445588" y="4512446"/>
+            <a:ext cx="851" cy="267020"/>
+          </a:xfrm>
+          <a:prstGeom prst="straightConnector1">
+            <a:avLst/>
+          </a:prstGeom>
+          <a:ln>
+            <a:tailEnd type="arrow"/>
+          </a:ln>
+        </p:spPr>
+        <p:style>
+          <a:lnRef idx="1">
+            <a:schemeClr val="dk1"/>
+          </a:lnRef>
+          <a:fillRef idx="0">
+            <a:schemeClr val="dk1"/>
+          </a:fillRef>
+          <a:effectRef idx="0">
+            <a:schemeClr val="dk1"/>
+          </a:effectRef>
+          <a:fontRef idx="minor">
+            <a:schemeClr val="tx1"/>
+          </a:fontRef>
+        </p:style>
+      </p:cxnSp>
+      <p:cxnSp>
+        <p:nvCxnSpPr>
+          <p:cNvPr id="16" name="Straight Arrow Connector 15"/>
+          <p:cNvCxnSpPr>
+            <a:stCxn id="9" idx="2"/>
+            <a:endCxn id="10" idx="0"/>
+          </p:cNvCxnSpPr>
+          <p:nvPr/>
+        </p:nvCxnSpPr>
+        <p:spPr>
+          <a:xfrm>
+            <a:off x="9445588" y="5329983"/>
+            <a:ext cx="0" cy="293712"/>
+          </a:xfrm>
+          <a:prstGeom prst="straightConnector1">
+            <a:avLst/>
+          </a:prstGeom>
+          <a:ln>
+            <a:tailEnd type="arrow"/>
+          </a:ln>
+        </p:spPr>
+        <p:style>
+          <a:lnRef idx="1">
+            <a:schemeClr val="dk1"/>
+          </a:lnRef>
+          <a:fillRef idx="0">
+            <a:schemeClr val="dk1"/>
+          </a:fillRef>
+          <a:effectRef idx="0">
+            <a:schemeClr val="dk1"/>
+          </a:effectRef>
+          <a:fontRef idx="minor">
+            <a:schemeClr val="tx1"/>
+          </a:fontRef>
+        </p:style>
+      </p:cxnSp>
     </p:spTree>
     <p:extLst>
       <p:ext uri="{BB962C8B-B14F-4D97-AF65-F5344CB8AC3E}">
@@ -3677,6 +5908,13 @@
   <p:clrMapOvr>
     <a:masterClrMapping/>
   </p:clrMapOvr>
+  <p:timing>
+    <p:tnLst>
+      <p:par>
+        <p:cTn id="1" dur="indefinite" restart="never" nodeType="tmRoot"/>
+      </p:par>
+    </p:tnLst>
+  </p:timing>
 </p:sld>
 </file>
 
@@ -3720,25 +5958,65 @@
           </a:p>
         </p:txBody>
       </p:sp>
-      <p:sp>
-        <p:nvSpPr>
-          <p:cNvPr id="4" name="Content Placeholder 3"/>
-          <p:cNvSpPr>
-            <a:spLocks noGrp="1"/>
-          </p:cNvSpPr>
+      <p:pic>
+        <p:nvPicPr>
+          <p:cNvPr id="3" name="Content Placeholder 2"/>
+          <p:cNvPicPr>
+            <a:picLocks noGrp="1" noChangeAspect="1"/>
+          </p:cNvPicPr>
           <p:nvPr>
             <p:ph idx="1"/>
           </p:nvPr>
-        </p:nvSpPr>
-        <p:spPr/>
-        <p:txBody>
-          <a:bodyPr/>
-          <a:lstStyle/>
-          <a:p>
-            <a:endParaRPr lang="de-DE"/>
-          </a:p>
-        </p:txBody>
-      </p:sp>
+        </p:nvPicPr>
+        <p:blipFill>
+          <a:blip r:embed="rId2" cstate="print">
+            <a:extLst>
+              <a:ext uri="{28A0092B-C50C-407E-A947-70E740481C1C}">
+                <a14:useLocalDpi xmlns:a14="http://schemas.microsoft.com/office/drawing/2010/main" val="0"/>
+              </a:ext>
+            </a:extLst>
+          </a:blip>
+          <a:stretch>
+            <a:fillRect/>
+          </a:stretch>
+        </p:blipFill>
+        <p:spPr>
+          <a:xfrm>
+            <a:off x="2543887" y="1825625"/>
+            <a:ext cx="7104225" cy="4351338"/>
+          </a:xfrm>
+        </p:spPr>
+      </p:pic>
+      <p:pic>
+        <p:nvPicPr>
+          <p:cNvPr id="5" name="Picture 4"/>
+          <p:cNvPicPr>
+            <a:picLocks noChangeAspect="1"/>
+          </p:cNvPicPr>
+          <p:nvPr/>
+        </p:nvPicPr>
+        <p:blipFill>
+          <a:blip r:embed="rId3" cstate="print">
+            <a:extLst>
+              <a:ext uri="{28A0092B-C50C-407E-A947-70E740481C1C}">
+                <a14:useLocalDpi xmlns:a14="http://schemas.microsoft.com/office/drawing/2010/main" val="0"/>
+              </a:ext>
+            </a:extLst>
+          </a:blip>
+          <a:stretch>
+            <a:fillRect/>
+          </a:stretch>
+        </p:blipFill>
+        <p:spPr>
+          <a:xfrm>
+            <a:off x="2566800" y="1825625"/>
+            <a:ext cx="7081312" cy="4337303"/>
+          </a:xfrm>
+          <a:prstGeom prst="rect">
+            <a:avLst/>
+          </a:prstGeom>
+        </p:spPr>
+      </p:pic>
     </p:spTree>
     <p:extLst>
       <p:ext uri="{BB962C8B-B14F-4D97-AF65-F5344CB8AC3E}">
@@ -3749,6 +6027,89 @@
   <p:clrMapOvr>
     <a:masterClrMapping/>
   </p:clrMapOvr>
+  <p:timing>
+    <p:tnLst>
+      <p:par>
+        <p:cTn id="1" dur="indefinite" restart="never" nodeType="tmRoot">
+          <p:childTnLst>
+            <p:seq concurrent="1" nextAc="seek">
+              <p:cTn id="2" dur="indefinite" nodeType="mainSeq">
+                <p:childTnLst>
+                  <p:par>
+                    <p:cTn id="3" fill="hold">
+                      <p:stCondLst>
+                        <p:cond delay="indefinite"/>
+                      </p:stCondLst>
+                      <p:childTnLst>
+                        <p:par>
+                          <p:cTn id="4" fill="hold">
+                            <p:stCondLst>
+                              <p:cond delay="0"/>
+                            </p:stCondLst>
+                            <p:childTnLst>
+                              <p:par>
+                                <p:cTn id="5" presetID="10" presetClass="entr" presetSubtype="0" fill="hold" nodeType="clickEffect">
+                                  <p:stCondLst>
+                                    <p:cond delay="0"/>
+                                  </p:stCondLst>
+                                  <p:childTnLst>
+                                    <p:set>
+                                      <p:cBhvr>
+                                        <p:cTn id="6" dur="1" fill="hold">
+                                          <p:stCondLst>
+                                            <p:cond delay="0"/>
+                                          </p:stCondLst>
+                                        </p:cTn>
+                                        <p:tgtEl>
+                                          <p:spTgt spid="5"/>
+                                        </p:tgtEl>
+                                        <p:attrNameLst>
+                                          <p:attrName>style.visibility</p:attrName>
+                                        </p:attrNameLst>
+                                      </p:cBhvr>
+                                      <p:to>
+                                        <p:strVal val="visible"/>
+                                      </p:to>
+                                    </p:set>
+                                    <p:animEffect transition="in" filter="fade">
+                                      <p:cBhvr>
+                                        <p:cTn id="7" dur="500"/>
+                                        <p:tgtEl>
+                                          <p:spTgt spid="5"/>
+                                        </p:tgtEl>
+                                      </p:cBhvr>
+                                    </p:animEffect>
+                                  </p:childTnLst>
+                                </p:cTn>
+                              </p:par>
+                            </p:childTnLst>
+                          </p:cTn>
+                        </p:par>
+                      </p:childTnLst>
+                    </p:cTn>
+                  </p:par>
+                </p:childTnLst>
+              </p:cTn>
+              <p:prevCondLst>
+                <p:cond evt="onPrev" delay="0">
+                  <p:tgtEl>
+                    <p:sldTgt/>
+                  </p:tgtEl>
+                </p:cond>
+              </p:prevCondLst>
+              <p:nextCondLst>
+                <p:cond evt="onNext" delay="0">
+                  <p:tgtEl>
+                    <p:sldTgt/>
+                  </p:tgtEl>
+                </p:cond>
+              </p:nextCondLst>
+            </p:seq>
+          </p:childTnLst>
+        </p:cTn>
+      </p:par>
+    </p:tnLst>
+  </p:timing>
 </p:sld>
 </file>
 
@@ -3889,6 +6250,13 @@
   <p:clrMapOvr>
     <a:masterClrMapping/>
   </p:clrMapOvr>
+  <p:timing>
+    <p:tnLst>
+      <p:par>
+        <p:cTn id="1" dur="indefinite" restart="never" nodeType="tmRoot"/>
+      </p:par>
+    </p:tnLst>
+  </p:timing>
 </p:sld>
 </file>
 
@@ -3951,10 +6319,109 @@
               <a:rPr lang="de-DE" dirty="0" smtClean="0"/>
               <a:t>Which reference can be used?</a:t>
             </a:r>
+          </a:p>
+          <a:p>
+            <a:pPr marL="0" indent="0">
+              <a:buNone/>
+            </a:pPr>
+            <a:r>
+              <a:rPr lang="de-DE" sz="2400" dirty="0"/>
+              <a:t>	</a:t>
+            </a:r>
+            <a:r>
+              <a:rPr lang="en-US" sz="2000" i="1" dirty="0" smtClean="0"/>
+              <a:t>Genomic analysis of </a:t>
+            </a:r>
+            <a:r>
+              <a:rPr lang="en-US" sz="2000" i="1" dirty="0" err="1" smtClean="0"/>
+              <a:t>Ovis</a:t>
+            </a:r>
+            <a:r>
+              <a:rPr lang="en-US" sz="2000" i="1" dirty="0" smtClean="0"/>
+              <a:t> </a:t>
+            </a:r>
+            <a:r>
+              <a:rPr lang="en-US" sz="2000" i="1" dirty="0" err="1" smtClean="0"/>
+              <a:t>aries</a:t>
+            </a:r>
+            <a:r>
+              <a:rPr lang="en-US" sz="2000" i="1" dirty="0" smtClean="0"/>
+              <a:t> (</a:t>
+            </a:r>
+            <a:r>
+              <a:rPr lang="en-US" sz="2000" i="1" dirty="0" err="1" smtClean="0"/>
+              <a:t>Ovar</a:t>
+            </a:r>
+            <a:r>
+              <a:rPr lang="en-US" sz="2000" i="1" dirty="0" smtClean="0"/>
+              <a:t>) MHC class </a:t>
+            </a:r>
+            <a:r>
+              <a:rPr lang="en-US" sz="2000" i="1" dirty="0" err="1" smtClean="0"/>
+              <a:t>IIa</a:t>
+            </a:r>
+            <a:r>
+              <a:rPr lang="en-US" sz="2000" i="1" dirty="0" smtClean="0"/>
+              <a:t> loci, </a:t>
+            </a:r>
+            <a:r>
+              <a:rPr lang="en-US" sz="2000" dirty="0" smtClean="0"/>
+              <a:t>Hermann-</a:t>
+            </a:r>
+            <a:r>
+              <a:rPr lang="en-US" sz="2000" dirty="0" err="1" smtClean="0"/>
+              <a:t>Hoesig</a:t>
+            </a:r>
+            <a:r>
+              <a:rPr lang="en-US" sz="2000" dirty="0" smtClean="0"/>
+              <a:t> et al. (2008)</a:t>
+            </a:r>
+          </a:p>
+          <a:p>
+            <a:r>
+              <a:rPr lang="de-DE" dirty="0" smtClean="0"/>
+              <a:t>Genetic sequence of multiple genes in the MHC region</a:t>
+            </a:r>
             <a:endParaRPr lang="de-DE" dirty="0"/>
           </a:p>
-        </p:txBody>
-      </p:sp>
+          <a:p>
+            <a:pPr marL="0" indent="0">
+              <a:buNone/>
+            </a:pPr>
+            <a:endParaRPr lang="en-US" sz="2400" i="1" dirty="0"/>
+          </a:p>
+        </p:txBody>
+      </p:sp>
+      <p:pic>
+        <p:nvPicPr>
+          <p:cNvPr id="4" name="Picture 3"/>
+          <p:cNvPicPr>
+            <a:picLocks noChangeAspect="1"/>
+          </p:cNvPicPr>
+          <p:nvPr/>
+        </p:nvPicPr>
+        <p:blipFill>
+          <a:blip r:embed="rId2">
+            <a:extLst>
+              <a:ext uri="{28A0092B-C50C-407E-A947-70E740481C1C}">
+                <a14:useLocalDpi xmlns:a14="http://schemas.microsoft.com/office/drawing/2010/main" val="0"/>
+              </a:ext>
+            </a:extLst>
+          </a:blip>
+          <a:stretch>
+            <a:fillRect/>
+          </a:stretch>
+        </p:blipFill>
+        <p:spPr>
+          <a:xfrm>
+            <a:off x="600485" y="3867912"/>
+            <a:ext cx="10991029" cy="1215410"/>
+          </a:xfrm>
+          <a:prstGeom prst="rect">
+            <a:avLst/>
+          </a:prstGeom>
+        </p:spPr>
+      </p:pic>
     </p:spTree>
     <p:extLst>
       <p:ext uri="{BB962C8B-B14F-4D97-AF65-F5344CB8AC3E}">
@@ -3965,6 +6432,138 @@
   <p:clrMapOvr>
     <a:masterClrMapping/>
   </p:clrMapOvr>
+  <p:timing>
+    <p:tnLst>
+      <p:par>
+        <p:cTn id="1" dur="indefinite" restart="never" nodeType="tmRoot"/>
+      </p:par>
+    </p:tnLst>
+  </p:timing>
+</p:sld>
+</file>
+
+<file path=ppt/slides/slide9.xml><?xml version="1.0" encoding="utf-8"?>
+<p:sld xmlns:a="http://schemas.openxmlformats.org/drawingml/2006/main" xmlns:r="http://schemas.openxmlformats.org/officeDocument/2006/relationships" xmlns:p="http://schemas.openxmlformats.org/presentationml/2006/main">
+  <p:cSld>
+    <p:spTree>
+      <p:nvGrpSpPr>
+        <p:cNvPr id="1" name=""/>
+        <p:cNvGrpSpPr/>
+        <p:nvPr/>
+      </p:nvGrpSpPr>
+      <p:grpSpPr>
+        <a:xfrm>
+          <a:off x="0" y="0"/>
+          <a:ext cx="0" cy="0"/>
+          <a:chOff x="0" y="0"/>
+          <a:chExt cx="0" cy="0"/>
+        </a:xfrm>
+      </p:grpSpPr>
+      <p:sp>
+        <p:nvSpPr>
+          <p:cNvPr id="2" name="Title 1"/>
+          <p:cNvSpPr>
+            <a:spLocks noGrp="1"/>
+          </p:cNvSpPr>
+          <p:nvPr>
+            <p:ph type="title"/>
+          </p:nvPr>
+        </p:nvSpPr>
+        <p:spPr/>
+        <p:txBody>
+          <a:bodyPr/>
+          <a:lstStyle/>
+          <a:p>
+            <a:r>
+              <a:rPr lang="de-DE" dirty="0" smtClean="0"/>
+              <a:t>Reference-based assembly</a:t>
+            </a:r>
+            <a:endParaRPr lang="de-DE" dirty="0"/>
+          </a:p>
+        </p:txBody>
+      </p:sp>
+      <p:sp>
+        <p:nvSpPr>
+          <p:cNvPr id="3" name="Content Placeholder 2"/>
+          <p:cNvSpPr>
+            <a:spLocks noGrp="1"/>
+          </p:cNvSpPr>
+          <p:nvPr>
+            <p:ph idx="1"/>
+          </p:nvPr>
+        </p:nvSpPr>
+        <p:spPr/>
+        <p:txBody>
+          <a:bodyPr/>
+          <a:lstStyle/>
+          <a:p>
+            <a:r>
+              <a:rPr lang="de-DE" dirty="0" smtClean="0"/>
+              <a:t>Mapping tools: Bowtie2</a:t>
+            </a:r>
+          </a:p>
+          <a:p>
+            <a:r>
+              <a:rPr lang="de-DE" dirty="0" smtClean="0"/>
+              <a:t>Map paired reads to the DRB1 gene</a:t>
+            </a:r>
+          </a:p>
+          <a:p>
+            <a:r>
+              <a:rPr lang="de-DE" dirty="0" smtClean="0"/>
+              <a:t>As expected, almost all reads map between exon 1 and exon 3</a:t>
+            </a:r>
+            <a:endParaRPr lang="de-DE" dirty="0"/>
+          </a:p>
+        </p:txBody>
+      </p:sp>
+      <p:pic>
+        <p:nvPicPr>
+          <p:cNvPr id="4" name="Picture 3"/>
+          <p:cNvPicPr>
+            <a:picLocks noChangeAspect="1"/>
+          </p:cNvPicPr>
+          <p:nvPr/>
+        </p:nvPicPr>
+        <p:blipFill>
+          <a:blip r:embed="rId3">
+            <a:extLst>
+              <a:ext uri="{28A0092B-C50C-407E-A947-70E740481C1C}">
+                <a14:useLocalDpi xmlns:a14="http://schemas.microsoft.com/office/drawing/2010/main" val="0"/>
+              </a:ext>
+            </a:extLst>
+          </a:blip>
+          <a:stretch>
+            <a:fillRect/>
+          </a:stretch>
+        </p:blipFill>
+        <p:spPr>
+          <a:xfrm>
+            <a:off x="421277" y="3685032"/>
+            <a:ext cx="11349446" cy="1770152"/>
+          </a:xfrm>
+          <a:prstGeom prst="rect">
+            <a:avLst/>
+          </a:prstGeom>
+        </p:spPr>
+      </p:pic>
+    </p:spTree>
+    <p:extLst>
+      <p:ext uri="{BB962C8B-B14F-4D97-AF65-F5344CB8AC3E}">
+        <p14:creationId xmlns:p14="http://schemas.microsoft.com/office/powerpoint/2010/main" val="667903621"/>
+      </p:ext>
+    </p:extLst>
+  </p:cSld>
+  <p:clrMapOvr>
+    <a:masterClrMapping/>
+  </p:clrMapOvr>
+  <p:timing>
+    <p:tnLst>
+      <p:par>
+        <p:cTn id="1" dur="indefinite" restart="never" nodeType="tmRoot"/>
+      </p:par>
+    </p:tnLst>
+  </p:timing>
 </p:sld>
 </file>
 
@@ -4227,4 +6826,265 @@
     </a:ext>
   </a:extLst>
 </a:theme>
+</file>
+
+<file path=ppt/theme/theme2.xml><?xml version="1.0" encoding="utf-8"?>
+<a:theme xmlns:a="http://schemas.openxmlformats.org/drawingml/2006/main" name="Office Theme">
+  <a:themeElements>
+    <a:clrScheme name="Office">
+      <a:dk1>
+        <a:sysClr val="windowText" lastClr="000000"/>
+      </a:dk1>
+      <a:lt1>
+        <a:sysClr val="window" lastClr="FFFFFF"/>
+      </a:lt1>
+      <a:dk2>
+        <a:srgbClr val="44546A"/>
+      </a:dk2>
+      <a:lt2>
+        <a:srgbClr val="E7E6E6"/>
+      </a:lt2>
+      <a:accent1>
+        <a:srgbClr val="5B9BD5"/>
+      </a:accent1>
+      <a:accent2>
+        <a:srgbClr val="ED7D31"/>
+      </a:accent2>
+      <a:accent3>
+        <a:srgbClr val="A5A5A5"/>
+      </a:accent3>
+      <a:accent4>
+        <a:srgbClr val="FFC000"/>
+      </a:accent4>
+      <a:accent5>
+        <a:srgbClr val="4472C4"/>
+      </a:accent5>
+      <a:accent6>
+        <a:srgbClr val="70AD47"/>
+      </a:accent6>
+      <a:hlink>
+        <a:srgbClr val="0563C1"/>
+      </a:hlink>
+      <a:folHlink>
+        <a:srgbClr val="954F72"/>
+      </a:folHlink>
+    </a:clrScheme>
+    <a:fontScheme name="Office">
+      <a:majorFont>
+        <a:latin typeface="Calibri Light" panose="020F0302020204030204"/>
+        <a:ea typeface=""/>
+        <a:cs typeface=""/>
+        <a:font script="Jpan" typeface="ＭＳ Ｐゴシック"/>
+        <a:font script="Hang" typeface="맑은 고딕"/>
+        <a:font script="Hans" typeface="宋体"/>
+        <a:font script="Hant" typeface="新細明體"/>
+        <a:font script="Arab" typeface="Times New Roman"/>
+        <a:font script="Hebr" typeface="Times New Roman"/>
+        <a:font script="Thai" typeface="Angsana New"/>
+        <a:font script="Ethi" typeface="Nyala"/>
+        <a:font script="Beng" typeface="Vrinda"/>
+        <a:font script="Gujr" typeface="Shruti"/>
+        <a:font script="Khmr" typeface="MoolBoran"/>
+        <a:font script="Knda" typeface="Tunga"/>
+        <a:font script="Guru" typeface="Raavi"/>
+        <a:font script="Cans" typeface="Euphemia"/>
+        <a:font script="Cher" typeface="Plantagenet Cherokee"/>
+        <a:font script="Yiii" typeface="Microsoft Yi Baiti"/>
+        <a:font script="Tibt" typeface="Microsoft Himalaya"/>
+        <a:font script="Thaa" typeface="MV Boli"/>
+        <a:font script="Deva" typeface="Mangal"/>
+        <a:font script="Telu" typeface="Gautami"/>
+        <a:font script="Taml" typeface="Latha"/>
+        <a:font script="Syrc" typeface="Estrangelo Edessa"/>
+        <a:font script="Orya" typeface="Kalinga"/>
+        <a:font script="Mlym" typeface="Kartika"/>
+        <a:font script="Laoo" typeface="DokChampa"/>
+        <a:font script="Sinh" typeface="Iskoola Pota"/>
+        <a:font script="Mong" typeface="Mongolian Baiti"/>
+        <a:font script="Viet" typeface="Times New Roman"/>
+        <a:font script="Uigh" typeface="Microsoft Uighur"/>
+        <a:font script="Geor" typeface="Sylfaen"/>
+      </a:majorFont>
+      <a:minorFont>
+        <a:latin typeface="Calibri" panose="020F0502020204030204"/>
+        <a:ea typeface=""/>
+        <a:cs typeface=""/>
+        <a:font script="Jpan" typeface="ＭＳ Ｐゴシック"/>
+        <a:font script="Hang" typeface="맑은 고딕"/>
+        <a:font script="Hans" typeface="宋体"/>
+        <a:font script="Hant" typeface="新細明體"/>
+        <a:font script="Arab" typeface="Arial"/>
+        <a:font script="Hebr" typeface="Arial"/>
+        <a:font script="Thai" typeface="Cordia New"/>
+        <a:font script="Ethi" typeface="Nyala"/>
+        <a:font script="Beng" typeface="Vrinda"/>
+        <a:font script="Gujr" typeface="Shruti"/>
+        <a:font script="Khmr" typeface="DaunPenh"/>
+        <a:font script="Knda" typeface="Tunga"/>
+        <a:font script="Guru" typeface="Raavi"/>
+        <a:font script="Cans" typeface="Euphemia"/>
+        <a:font script="Cher" typeface="Plantagenet Cherokee"/>
+        <a:font script="Yiii" typeface="Microsoft Yi Baiti"/>
+        <a:font script="Tibt" typeface="Microsoft Himalaya"/>
+        <a:font script="Thaa" typeface="MV Boli"/>
+        <a:font script="Deva" typeface="Mangal"/>
+        <a:font script="Telu" typeface="Gautami"/>
+        <a:font script="Taml" typeface="Latha"/>
+        <a:font script="Syrc" typeface="Estrangelo Edessa"/>
+        <a:font script="Orya" typeface="Kalinga"/>
+        <a:font script="Mlym" typeface="Kartika"/>
+        <a:font script="Laoo" typeface="DokChampa"/>
+        <a:font script="Sinh" typeface="Iskoola Pota"/>
+        <a:font script="Mong" typeface="Mongolian Baiti"/>
+        <a:font script="Viet" typeface="Arial"/>
+        <a:font script="Uigh" typeface="Microsoft Uighur"/>
+        <a:font script="Geor" typeface="Sylfaen"/>
+      </a:minorFont>
+    </a:fontScheme>
+    <a:fmtScheme name="Office">
+      <a:fillStyleLst>
+        <a:solidFill>
+          <a:schemeClr val="phClr"/>
+        </a:solidFill>
+        <a:gradFill rotWithShape="1">
+          <a:gsLst>
+            <a:gs pos="0">
+              <a:schemeClr val="phClr">
+                <a:lumMod val="110000"/>
+                <a:satMod val="105000"/>
+                <a:tint val="67000"/>
+              </a:schemeClr>
+            </a:gs>
+            <a:gs pos="50000">
+              <a:schemeClr val="phClr">
+                <a:lumMod val="105000"/>
+                <a:satMod val="103000"/>
+                <a:tint val="73000"/>
+              </a:schemeClr>
+            </a:gs>
+            <a:gs pos="100000">
+              <a:schemeClr val="phClr">
+                <a:lumMod val="105000"/>
+                <a:satMod val="109000"/>
+                <a:tint val="81000"/>
+              </a:schemeClr>
+            </a:gs>
+          </a:gsLst>
+          <a:lin ang="5400000" scaled="0"/>
+        </a:gradFill>
+        <a:gradFill rotWithShape="1">
+          <a:gsLst>
+            <a:gs pos="0">
+              <a:schemeClr val="phClr">
+                <a:satMod val="103000"/>
+                <a:lumMod val="102000"/>
+                <a:tint val="94000"/>
+              </a:schemeClr>
+            </a:gs>
+            <a:gs pos="50000">
+              <a:schemeClr val="phClr">
+                <a:satMod val="110000"/>
+                <a:lumMod val="100000"/>
+                <a:shade val="100000"/>
+              </a:schemeClr>
+            </a:gs>
+            <a:gs pos="100000">
+              <a:schemeClr val="phClr">
+                <a:lumMod val="99000"/>
+                <a:satMod val="120000"/>
+                <a:shade val="78000"/>
+              </a:schemeClr>
+            </a:gs>
+          </a:gsLst>
+          <a:lin ang="5400000" scaled="0"/>
+        </a:gradFill>
+      </a:fillStyleLst>
+      <a:lnStyleLst>
+        <a:ln w="6350" cap="flat" cmpd="sng" algn="ctr">
+          <a:solidFill>
+            <a:schemeClr val="phClr"/>
+          </a:solidFill>
+          <a:prstDash val="solid"/>
+          <a:miter lim="800000"/>
+        </a:ln>
+        <a:ln w="12700" cap="flat" cmpd="sng" algn="ctr">
+          <a:solidFill>
+            <a:schemeClr val="phClr"/>
+          </a:solidFill>
+          <a:prstDash val="solid"/>
+          <a:miter lim="800000"/>
+        </a:ln>
+        <a:ln w="19050" cap="flat" cmpd="sng" algn="ctr">
+          <a:solidFill>
+            <a:schemeClr val="phClr"/>
+          </a:solidFill>
+          <a:prstDash val="solid"/>
+          <a:miter lim="800000"/>
+        </a:ln>
+      </a:lnStyleLst>
+      <a:effectStyleLst>
+        <a:effectStyle>
+          <a:effectLst/>
+        </a:effectStyle>
+        <a:effectStyle>
+          <a:effectLst/>
+        </a:effectStyle>
+        <a:effectStyle>
+          <a:effectLst>
+            <a:outerShdw blurRad="57150" dist="19050" dir="5400000" algn="ctr" rotWithShape="0">
+              <a:srgbClr val="000000">
+                <a:alpha val="63000"/>
+              </a:srgbClr>
+            </a:outerShdw>
+          </a:effectLst>
+        </a:effectStyle>
+      </a:effectStyleLst>
+      <a:bgFillStyleLst>
+        <a:solidFill>
+          <a:schemeClr val="phClr"/>
+        </a:solidFill>
+        <a:solidFill>
+          <a:schemeClr val="phClr">
+            <a:tint val="95000"/>
+            <a:satMod val="170000"/>
+          </a:schemeClr>
+        </a:solidFill>
+        <a:gradFill rotWithShape="1">
+          <a:gsLst>
+            <a:gs pos="0">
+              <a:schemeClr val="phClr">
+                <a:tint val="93000"/>
+                <a:satMod val="150000"/>
+                <a:shade val="98000"/>
+                <a:lumMod val="102000"/>
+              </a:schemeClr>
+            </a:gs>
+            <a:gs pos="50000">
+              <a:schemeClr val="phClr">
+                <a:tint val="98000"/>
+                <a:satMod val="130000"/>
+                <a:shade val="90000"/>
+                <a:lumMod val="103000"/>
+              </a:schemeClr>
+            </a:gs>
+            <a:gs pos="100000">
+              <a:schemeClr val="phClr">
+                <a:shade val="63000"/>
+                <a:satMod val="120000"/>
+              </a:schemeClr>
+            </a:gs>
+          </a:gsLst>
+          <a:lin ang="5400000" scaled="0"/>
+        </a:gradFill>
+      </a:bgFillStyleLst>
+    </a:fmtScheme>
+  </a:themeElements>
+  <a:objectDefaults/>
+  <a:extraClrSchemeLst/>
+  <a:extLst>
+    <a:ext uri="{05A4C25C-085E-4340-85A3-A5531E510DB2}">
+      <thm15:themeFamily xmlns:thm15="http://schemas.microsoft.com/office/thememl/2012/main" name="Office Theme" id="{62F939B6-93AF-4DB8-9C6B-D6C7DFDC589F}" vid="{4A3C46E8-61CC-4603-A589-7422A47A8E4A}"/>
+    </a:ext>
+  </a:extLst>
+</a:theme>
 </file>